--- a/docs/figs/framework_demo.pptx
+++ b/docs/figs/framework_demo.pptx
@@ -5,28 +5,29 @@
     <p:sldMasterId id="2147483657" r:id="rId1"/>
   </p:sldMasterIdLst>
   <p:notesMasterIdLst>
-    <p:notesMasterId r:id="rId6"/>
+    <p:notesMasterId r:id="rId7"/>
   </p:notesMasterIdLst>
   <p:sldIdLst>
     <p:sldId id="257" r:id="rId2"/>
     <p:sldId id="259" r:id="rId3"/>
     <p:sldId id="263" r:id="rId4"/>
     <p:sldId id="264" r:id="rId5"/>
+    <p:sldId id="266" r:id="rId6"/>
   </p:sldIdLst>
   <p:sldSz cx="9144000" cy="5143500" type="screen16x9"/>
   <p:notesSz cx="6858000" cy="9144000"/>
   <p:embeddedFontLst>
     <p:embeddedFont>
       <p:font typeface="Open Sans" panose="020B0606030504020204" pitchFamily="34" charset="0"/>
-      <p:regular r:id="rId7"/>
-      <p:bold r:id="rId8"/>
-      <p:italic r:id="rId9"/>
-      <p:boldItalic r:id="rId10"/>
+      <p:regular r:id="rId8"/>
+      <p:bold r:id="rId9"/>
+      <p:italic r:id="rId10"/>
+      <p:boldItalic r:id="rId11"/>
     </p:embeddedFont>
     <p:embeddedFont>
       <p:font typeface="PT Sans Narrow" panose="020B0506020203020204" pitchFamily="34" charset="77"/>
-      <p:regular r:id="rId11"/>
-      <p:bold r:id="rId12"/>
+      <p:regular r:id="rId12"/>
+      <p:bold r:id="rId13"/>
     </p:embeddedFont>
   </p:embeddedFontLst>
   <p:defaultTextStyle>
@@ -19613,6 +19614,4486 @@
 </p:sld>
 </file>
 
+<file path=ppt/slides/slide5.xml><?xml version="1.0" encoding="utf-8"?>
+<p:sld xmlns:a="http://schemas.openxmlformats.org/drawingml/2006/main" xmlns:r="http://schemas.openxmlformats.org/officeDocument/2006/relationships" xmlns:p="http://schemas.openxmlformats.org/presentationml/2006/main">
+  <p:cSld>
+    <p:spTree>
+      <p:nvGrpSpPr>
+        <p:cNvPr id="1" name=""/>
+        <p:cNvGrpSpPr/>
+        <p:nvPr/>
+      </p:nvGrpSpPr>
+      <p:grpSpPr>
+        <a:xfrm>
+          <a:off x="0" y="0"/>
+          <a:ext cx="0" cy="0"/>
+          <a:chOff x="0" y="0"/>
+          <a:chExt cx="0" cy="0"/>
+        </a:xfrm>
+      </p:grpSpPr>
+      <p:sp>
+        <p:nvSpPr>
+          <p:cNvPr id="3" name="Google Shape;76;p12">
+            <a:extLst>
+              <a:ext uri="{FF2B5EF4-FFF2-40B4-BE49-F238E27FC236}">
+                <a16:creationId xmlns:a16="http://schemas.microsoft.com/office/drawing/2014/main" id="{0FC58998-DEBA-7A42-A63A-E3CC38354213}"/>
+              </a:ext>
+            </a:extLst>
+          </p:cNvPr>
+          <p:cNvSpPr/>
+          <p:nvPr/>
+        </p:nvSpPr>
+        <p:spPr>
+          <a:xfrm>
+            <a:off x="4138228" y="2726237"/>
+            <a:ext cx="706570" cy="407324"/>
+          </a:xfrm>
+          <a:prstGeom prst="can">
+            <a:avLst>
+              <a:gd name="adj" fmla="val 25000"/>
+            </a:avLst>
+          </a:prstGeom>
+          <a:solidFill>
+            <a:schemeClr val="accent1"/>
+          </a:solidFill>
+          <a:ln w="25400" cap="flat" cmpd="sng">
+            <a:solidFill>
+              <a:srgbClr val="AE4E00"/>
+            </a:solidFill>
+            <a:prstDash val="solid"/>
+            <a:round/>
+            <a:headEnd type="none" w="sm" len="sm"/>
+            <a:tailEnd type="none" w="sm" len="sm"/>
+          </a:ln>
+        </p:spPr>
+        <p:txBody>
+          <a:bodyPr spcFirstLastPara="1" wrap="square" lIns="91425" tIns="45700" rIns="91425" bIns="45700" anchor="ctr" anchorCtr="0">
+            <a:noAutofit/>
+          </a:bodyPr>
+          <a:lstStyle/>
+          <a:p>
+            <a:pPr marL="0" marR="0" lvl="0" indent="0" algn="ctr" rtl="0">
+              <a:lnSpc>
+                <a:spcPct val="100000"/>
+              </a:lnSpc>
+              <a:spcBef>
+                <a:spcPts val="0"/>
+              </a:spcBef>
+              <a:spcAft>
+                <a:spcPts val="0"/>
+              </a:spcAft>
+              <a:buClr>
+                <a:schemeClr val="lt1"/>
+              </a:buClr>
+              <a:buSzPts val="1400"/>
+              <a:buFont typeface="Arial"/>
+              <a:buNone/>
+            </a:pPr>
+            <a:r>
+              <a:rPr lang="en-US" sz="1400" b="0" i="0" u="none" strike="noStrike" cap="none">
+                <a:solidFill>
+                  <a:schemeClr val="lt1"/>
+                </a:solidFill>
+                <a:latin typeface="Arial"/>
+                <a:ea typeface="Arial"/>
+                <a:cs typeface="Arial"/>
+                <a:sym typeface="Arial"/>
+              </a:rPr>
+              <a:t>Data</a:t>
+            </a:r>
+            <a:endParaRPr/>
+          </a:p>
+        </p:txBody>
+      </p:sp>
+      <p:sp>
+        <p:nvSpPr>
+          <p:cNvPr id="4" name="Google Shape;77;p12">
+            <a:extLst>
+              <a:ext uri="{FF2B5EF4-FFF2-40B4-BE49-F238E27FC236}">
+                <a16:creationId xmlns:a16="http://schemas.microsoft.com/office/drawing/2014/main" id="{7D35B003-1B25-984C-9A4E-AE79A8B9263C}"/>
+              </a:ext>
+            </a:extLst>
+          </p:cNvPr>
+          <p:cNvSpPr/>
+          <p:nvPr/>
+        </p:nvSpPr>
+        <p:spPr>
+          <a:xfrm>
+            <a:off x="4260057" y="3305763"/>
+            <a:ext cx="478898" cy="324196"/>
+          </a:xfrm>
+          <a:prstGeom prst="rect">
+            <a:avLst/>
+          </a:prstGeom>
+          <a:solidFill>
+            <a:schemeClr val="accent1"/>
+          </a:solidFill>
+          <a:ln w="25400" cap="flat" cmpd="sng">
+            <a:solidFill>
+              <a:srgbClr val="AE4E00"/>
+            </a:solidFill>
+            <a:prstDash val="solid"/>
+            <a:round/>
+            <a:headEnd type="none" w="sm" len="sm"/>
+            <a:tailEnd type="none" w="sm" len="sm"/>
+          </a:ln>
+        </p:spPr>
+        <p:txBody>
+          <a:bodyPr spcFirstLastPara="1" wrap="square" lIns="91425" tIns="45700" rIns="91425" bIns="45700" anchor="ctr" anchorCtr="0">
+            <a:noAutofit/>
+          </a:bodyPr>
+          <a:lstStyle/>
+          <a:p>
+            <a:pPr marL="0" marR="0" lvl="0" indent="0" algn="ctr" rtl="0">
+              <a:lnSpc>
+                <a:spcPct val="100000"/>
+              </a:lnSpc>
+              <a:spcBef>
+                <a:spcPts val="0"/>
+              </a:spcBef>
+              <a:spcAft>
+                <a:spcPts val="0"/>
+              </a:spcAft>
+              <a:buClr>
+                <a:schemeClr val="lt1"/>
+              </a:buClr>
+              <a:buSzPts val="1400"/>
+              <a:buFont typeface="Arial"/>
+              <a:buNone/>
+            </a:pPr>
+            <a:r>
+              <a:rPr lang="en-US" sz="1400" b="0" i="0" u="none" strike="noStrike" cap="none" dirty="0">
+                <a:solidFill>
+                  <a:schemeClr val="lt1"/>
+                </a:solidFill>
+                <a:latin typeface="Arial"/>
+                <a:ea typeface="Arial"/>
+                <a:cs typeface="Arial"/>
+                <a:sym typeface="Arial"/>
+              </a:rPr>
+              <a:t>D</a:t>
+            </a:r>
+            <a:r>
+              <a:rPr lang="en-US" sz="1400" b="0" i="0" u="none" strike="noStrike" cap="none" baseline="-25000" dirty="0">
+                <a:solidFill>
+                  <a:schemeClr val="lt1"/>
+                </a:solidFill>
+                <a:latin typeface="Arial"/>
+                <a:ea typeface="Arial"/>
+                <a:cs typeface="Arial"/>
+                <a:sym typeface="Arial"/>
+              </a:rPr>
+              <a:t>1</a:t>
+            </a:r>
+            <a:endParaRPr dirty="0"/>
+          </a:p>
+        </p:txBody>
+      </p:sp>
+      <p:sp>
+        <p:nvSpPr>
+          <p:cNvPr id="5" name="Google Shape;78;p12">
+            <a:extLst>
+              <a:ext uri="{FF2B5EF4-FFF2-40B4-BE49-F238E27FC236}">
+                <a16:creationId xmlns:a16="http://schemas.microsoft.com/office/drawing/2014/main" id="{CB862A21-09A3-1B42-9438-45C3AA24668F}"/>
+              </a:ext>
+            </a:extLst>
+          </p:cNvPr>
+          <p:cNvSpPr/>
+          <p:nvPr/>
+        </p:nvSpPr>
+        <p:spPr>
+          <a:xfrm>
+            <a:off x="4257377" y="3844671"/>
+            <a:ext cx="478898" cy="324196"/>
+          </a:xfrm>
+          <a:prstGeom prst="rect">
+            <a:avLst/>
+          </a:prstGeom>
+          <a:solidFill>
+            <a:schemeClr val="accent1"/>
+          </a:solidFill>
+          <a:ln w="25400" cap="flat" cmpd="sng">
+            <a:solidFill>
+              <a:srgbClr val="AE4E00"/>
+            </a:solidFill>
+            <a:prstDash val="solid"/>
+            <a:round/>
+            <a:headEnd type="none" w="sm" len="sm"/>
+            <a:tailEnd type="none" w="sm" len="sm"/>
+          </a:ln>
+        </p:spPr>
+        <p:txBody>
+          <a:bodyPr spcFirstLastPara="1" wrap="square" lIns="91425" tIns="45700" rIns="91425" bIns="45700" anchor="ctr" anchorCtr="0">
+            <a:noAutofit/>
+          </a:bodyPr>
+          <a:lstStyle/>
+          <a:p>
+            <a:pPr marL="0" marR="0" lvl="0" indent="0" algn="ctr" rtl="0">
+              <a:lnSpc>
+                <a:spcPct val="100000"/>
+              </a:lnSpc>
+              <a:spcBef>
+                <a:spcPts val="0"/>
+              </a:spcBef>
+              <a:spcAft>
+                <a:spcPts val="0"/>
+              </a:spcAft>
+              <a:buClr>
+                <a:schemeClr val="lt1"/>
+              </a:buClr>
+              <a:buSzPts val="1400"/>
+              <a:buFont typeface="Arial"/>
+              <a:buNone/>
+            </a:pPr>
+            <a:r>
+              <a:rPr lang="en-US" sz="1400" b="0" i="0" u="none" strike="noStrike" cap="none" dirty="0">
+                <a:solidFill>
+                  <a:schemeClr val="lt1"/>
+                </a:solidFill>
+                <a:latin typeface="Arial"/>
+                <a:ea typeface="Arial"/>
+                <a:cs typeface="Arial"/>
+                <a:sym typeface="Arial"/>
+              </a:rPr>
+              <a:t>D</a:t>
+            </a:r>
+            <a:r>
+              <a:rPr lang="en-US" sz="1400" b="0" i="0" u="none" strike="noStrike" cap="none" baseline="-25000" dirty="0">
+                <a:solidFill>
+                  <a:schemeClr val="lt1"/>
+                </a:solidFill>
+                <a:latin typeface="Arial"/>
+                <a:ea typeface="Arial"/>
+                <a:cs typeface="Arial"/>
+                <a:sym typeface="Arial"/>
+              </a:rPr>
+              <a:t>2</a:t>
+            </a:r>
+            <a:endParaRPr dirty="0"/>
+          </a:p>
+        </p:txBody>
+      </p:sp>
+      <p:sp>
+        <p:nvSpPr>
+          <p:cNvPr id="6" name="Google Shape;79;p12">
+            <a:extLst>
+              <a:ext uri="{FF2B5EF4-FFF2-40B4-BE49-F238E27FC236}">
+                <a16:creationId xmlns:a16="http://schemas.microsoft.com/office/drawing/2014/main" id="{14887747-F5FD-F94E-AB74-5D1521914726}"/>
+              </a:ext>
+            </a:extLst>
+          </p:cNvPr>
+          <p:cNvSpPr/>
+          <p:nvPr/>
+        </p:nvSpPr>
+        <p:spPr>
+          <a:xfrm>
+            <a:off x="4257377" y="4605581"/>
+            <a:ext cx="478898" cy="324196"/>
+          </a:xfrm>
+          <a:prstGeom prst="rect">
+            <a:avLst/>
+          </a:prstGeom>
+          <a:solidFill>
+            <a:schemeClr val="accent1"/>
+          </a:solidFill>
+          <a:ln w="25400" cap="flat" cmpd="sng">
+            <a:solidFill>
+              <a:srgbClr val="AE4E00"/>
+            </a:solidFill>
+            <a:prstDash val="solid"/>
+            <a:round/>
+            <a:headEnd type="none" w="sm" len="sm"/>
+            <a:tailEnd type="none" w="sm" len="sm"/>
+          </a:ln>
+        </p:spPr>
+        <p:txBody>
+          <a:bodyPr spcFirstLastPara="1" wrap="square" lIns="91425" tIns="45700" rIns="91425" bIns="45700" anchor="ctr" anchorCtr="0">
+            <a:noAutofit/>
+          </a:bodyPr>
+          <a:lstStyle/>
+          <a:p>
+            <a:pPr marL="0" marR="0" lvl="0" indent="0" algn="ctr" rtl="0">
+              <a:lnSpc>
+                <a:spcPct val="100000"/>
+              </a:lnSpc>
+              <a:spcBef>
+                <a:spcPts val="0"/>
+              </a:spcBef>
+              <a:spcAft>
+                <a:spcPts val="0"/>
+              </a:spcAft>
+              <a:buClr>
+                <a:schemeClr val="lt1"/>
+              </a:buClr>
+              <a:buSzPts val="1400"/>
+              <a:buFont typeface="Arial"/>
+              <a:buNone/>
+            </a:pPr>
+            <a:r>
+              <a:rPr lang="en-US" sz="1400" b="0" i="0" u="none" strike="noStrike" cap="none">
+                <a:solidFill>
+                  <a:schemeClr val="lt1"/>
+                </a:solidFill>
+                <a:latin typeface="Arial"/>
+                <a:ea typeface="Arial"/>
+                <a:cs typeface="Arial"/>
+                <a:sym typeface="Arial"/>
+              </a:rPr>
+              <a:t>D</a:t>
+            </a:r>
+            <a:r>
+              <a:rPr lang="en-US" sz="1400" b="0" i="0" u="none" strike="noStrike" cap="none" baseline="-25000">
+                <a:solidFill>
+                  <a:schemeClr val="lt1"/>
+                </a:solidFill>
+                <a:latin typeface="Arial"/>
+                <a:ea typeface="Arial"/>
+                <a:cs typeface="Arial"/>
+                <a:sym typeface="Arial"/>
+              </a:rPr>
+              <a:t>k</a:t>
+            </a:r>
+            <a:endParaRPr/>
+          </a:p>
+        </p:txBody>
+      </p:sp>
+      <p:sp>
+        <p:nvSpPr>
+          <p:cNvPr id="7" name="Google Shape;80;p12">
+            <a:extLst>
+              <a:ext uri="{FF2B5EF4-FFF2-40B4-BE49-F238E27FC236}">
+                <a16:creationId xmlns:a16="http://schemas.microsoft.com/office/drawing/2014/main" id="{AA9A366B-4692-954F-98AB-0A0D3E072EF1}"/>
+              </a:ext>
+            </a:extLst>
+          </p:cNvPr>
+          <p:cNvSpPr/>
+          <p:nvPr/>
+        </p:nvSpPr>
+        <p:spPr>
+          <a:xfrm>
+            <a:off x="2362395" y="2721837"/>
+            <a:ext cx="706570" cy="407324"/>
+          </a:xfrm>
+          <a:prstGeom prst="can">
+            <a:avLst>
+              <a:gd name="adj" fmla="val 25000"/>
+            </a:avLst>
+          </a:prstGeom>
+          <a:solidFill>
+            <a:schemeClr val="accent1"/>
+          </a:solidFill>
+          <a:ln w="25400" cap="flat" cmpd="sng">
+            <a:solidFill>
+              <a:srgbClr val="AE4E00"/>
+            </a:solidFill>
+            <a:prstDash val="solid"/>
+            <a:round/>
+            <a:headEnd type="none" w="sm" len="sm"/>
+            <a:tailEnd type="none" w="sm" len="sm"/>
+          </a:ln>
+        </p:spPr>
+        <p:txBody>
+          <a:bodyPr spcFirstLastPara="1" wrap="square" lIns="91425" tIns="45700" rIns="91425" bIns="45700" anchor="ctr" anchorCtr="0">
+            <a:noAutofit/>
+          </a:bodyPr>
+          <a:lstStyle/>
+          <a:p>
+            <a:pPr marL="0" marR="0" lvl="0" indent="0" algn="ctr" rtl="0">
+              <a:lnSpc>
+                <a:spcPct val="100000"/>
+              </a:lnSpc>
+              <a:spcBef>
+                <a:spcPts val="0"/>
+              </a:spcBef>
+              <a:spcAft>
+                <a:spcPts val="0"/>
+              </a:spcAft>
+              <a:buClr>
+                <a:schemeClr val="lt1"/>
+              </a:buClr>
+              <a:buSzPts val="1400"/>
+              <a:buFont typeface="Arial"/>
+              <a:buNone/>
+            </a:pPr>
+            <a:r>
+              <a:rPr lang="en-US" sz="1400" b="0" i="0" u="none" strike="noStrike" cap="none">
+                <a:solidFill>
+                  <a:schemeClr val="lt1"/>
+                </a:solidFill>
+                <a:latin typeface="Arial"/>
+                <a:ea typeface="Arial"/>
+                <a:cs typeface="Arial"/>
+                <a:sym typeface="Arial"/>
+              </a:rPr>
+              <a:t>Data</a:t>
+            </a:r>
+            <a:endParaRPr/>
+          </a:p>
+        </p:txBody>
+      </p:sp>
+      <p:sp>
+        <p:nvSpPr>
+          <p:cNvPr id="8" name="Google Shape;81;p12">
+            <a:extLst>
+              <a:ext uri="{FF2B5EF4-FFF2-40B4-BE49-F238E27FC236}">
+                <a16:creationId xmlns:a16="http://schemas.microsoft.com/office/drawing/2014/main" id="{3EC728FB-5A17-434D-B7E5-016A3A49F960}"/>
+              </a:ext>
+            </a:extLst>
+          </p:cNvPr>
+          <p:cNvSpPr/>
+          <p:nvPr/>
+        </p:nvSpPr>
+        <p:spPr>
+          <a:xfrm>
+            <a:off x="1472934" y="3469983"/>
+            <a:ext cx="478898" cy="324196"/>
+          </a:xfrm>
+          <a:prstGeom prst="rect">
+            <a:avLst/>
+          </a:prstGeom>
+          <a:solidFill>
+            <a:schemeClr val="accent1"/>
+          </a:solidFill>
+          <a:ln w="25400" cap="flat" cmpd="sng">
+            <a:solidFill>
+              <a:srgbClr val="AE4E00"/>
+            </a:solidFill>
+            <a:prstDash val="solid"/>
+            <a:round/>
+            <a:headEnd type="none" w="sm" len="sm"/>
+            <a:tailEnd type="none" w="sm" len="sm"/>
+          </a:ln>
+        </p:spPr>
+        <p:txBody>
+          <a:bodyPr spcFirstLastPara="1" wrap="square" lIns="91425" tIns="45700" rIns="91425" bIns="45700" anchor="ctr" anchorCtr="0">
+            <a:noAutofit/>
+          </a:bodyPr>
+          <a:lstStyle/>
+          <a:p>
+            <a:pPr marL="0" marR="0" lvl="0" indent="0" algn="ctr" rtl="0">
+              <a:lnSpc>
+                <a:spcPct val="100000"/>
+              </a:lnSpc>
+              <a:spcBef>
+                <a:spcPts val="0"/>
+              </a:spcBef>
+              <a:spcAft>
+                <a:spcPts val="0"/>
+              </a:spcAft>
+              <a:buClr>
+                <a:schemeClr val="lt1"/>
+              </a:buClr>
+              <a:buSzPts val="1400"/>
+              <a:buFont typeface="Arial"/>
+              <a:buNone/>
+            </a:pPr>
+            <a:r>
+              <a:rPr lang="en-US" sz="1400" b="0" i="0" u="none" strike="noStrike" cap="none" dirty="0">
+                <a:solidFill>
+                  <a:schemeClr val="lt1"/>
+                </a:solidFill>
+                <a:latin typeface="Arial"/>
+                <a:ea typeface="Arial"/>
+                <a:cs typeface="Arial"/>
+                <a:sym typeface="Arial"/>
+              </a:rPr>
+              <a:t>D</a:t>
+            </a:r>
+            <a:r>
+              <a:rPr lang="en-US" sz="1400" b="0" i="0" u="none" strike="noStrike" cap="none" baseline="-25000" dirty="0">
+                <a:solidFill>
+                  <a:schemeClr val="lt1"/>
+                </a:solidFill>
+                <a:latin typeface="Arial"/>
+                <a:ea typeface="Arial"/>
+                <a:cs typeface="Arial"/>
+                <a:sym typeface="Arial"/>
+              </a:rPr>
+              <a:t>1</a:t>
+            </a:r>
+            <a:endParaRPr dirty="0"/>
+          </a:p>
+        </p:txBody>
+      </p:sp>
+      <p:sp>
+        <p:nvSpPr>
+          <p:cNvPr id="9" name="Google Shape;82;p12">
+            <a:extLst>
+              <a:ext uri="{FF2B5EF4-FFF2-40B4-BE49-F238E27FC236}">
+                <a16:creationId xmlns:a16="http://schemas.microsoft.com/office/drawing/2014/main" id="{E4B48C3F-3DCC-664A-B29D-6A2106AC6C19}"/>
+              </a:ext>
+            </a:extLst>
+          </p:cNvPr>
+          <p:cNvSpPr/>
+          <p:nvPr/>
+        </p:nvSpPr>
+        <p:spPr>
+          <a:xfrm>
+            <a:off x="2108857" y="3469983"/>
+            <a:ext cx="478898" cy="324196"/>
+          </a:xfrm>
+          <a:prstGeom prst="rect">
+            <a:avLst/>
+          </a:prstGeom>
+          <a:solidFill>
+            <a:schemeClr val="accent1"/>
+          </a:solidFill>
+          <a:ln w="25400" cap="flat" cmpd="sng">
+            <a:solidFill>
+              <a:srgbClr val="AE4E00"/>
+            </a:solidFill>
+            <a:prstDash val="solid"/>
+            <a:round/>
+            <a:headEnd type="none" w="sm" len="sm"/>
+            <a:tailEnd type="none" w="sm" len="sm"/>
+          </a:ln>
+        </p:spPr>
+        <p:txBody>
+          <a:bodyPr spcFirstLastPara="1" wrap="square" lIns="91425" tIns="45700" rIns="91425" bIns="45700" anchor="ctr" anchorCtr="0">
+            <a:noAutofit/>
+          </a:bodyPr>
+          <a:lstStyle/>
+          <a:p>
+            <a:pPr marL="0" marR="0" lvl="0" indent="0" algn="ctr" rtl="0">
+              <a:lnSpc>
+                <a:spcPct val="100000"/>
+              </a:lnSpc>
+              <a:spcBef>
+                <a:spcPts val="0"/>
+              </a:spcBef>
+              <a:spcAft>
+                <a:spcPts val="0"/>
+              </a:spcAft>
+              <a:buClr>
+                <a:schemeClr val="lt1"/>
+              </a:buClr>
+              <a:buSzPts val="1400"/>
+              <a:buFont typeface="Arial"/>
+              <a:buNone/>
+            </a:pPr>
+            <a:r>
+              <a:rPr lang="en-US" sz="1400" b="0" i="0" u="none" strike="noStrike" cap="none">
+                <a:solidFill>
+                  <a:schemeClr val="lt1"/>
+                </a:solidFill>
+                <a:latin typeface="Arial"/>
+                <a:ea typeface="Arial"/>
+                <a:cs typeface="Arial"/>
+                <a:sym typeface="Arial"/>
+              </a:rPr>
+              <a:t>D</a:t>
+            </a:r>
+            <a:r>
+              <a:rPr lang="en-US" sz="1400" b="0" i="0" u="none" strike="noStrike" cap="none" baseline="-25000">
+                <a:solidFill>
+                  <a:schemeClr val="lt1"/>
+                </a:solidFill>
+                <a:latin typeface="Arial"/>
+                <a:ea typeface="Arial"/>
+                <a:cs typeface="Arial"/>
+                <a:sym typeface="Arial"/>
+              </a:rPr>
+              <a:t>2</a:t>
+            </a:r>
+            <a:endParaRPr/>
+          </a:p>
+        </p:txBody>
+      </p:sp>
+      <p:sp>
+        <p:nvSpPr>
+          <p:cNvPr id="10" name="Google Shape;83;p12">
+            <a:extLst>
+              <a:ext uri="{FF2B5EF4-FFF2-40B4-BE49-F238E27FC236}">
+                <a16:creationId xmlns:a16="http://schemas.microsoft.com/office/drawing/2014/main" id="{8FFB3126-8958-3842-A4A3-596DCF45CACB}"/>
+              </a:ext>
+            </a:extLst>
+          </p:cNvPr>
+          <p:cNvSpPr/>
+          <p:nvPr/>
+        </p:nvSpPr>
+        <p:spPr>
+          <a:xfrm>
+            <a:off x="3225533" y="3475505"/>
+            <a:ext cx="478898" cy="324196"/>
+          </a:xfrm>
+          <a:prstGeom prst="rect">
+            <a:avLst/>
+          </a:prstGeom>
+          <a:solidFill>
+            <a:schemeClr val="accent1"/>
+          </a:solidFill>
+          <a:ln w="25400" cap="flat" cmpd="sng">
+            <a:solidFill>
+              <a:srgbClr val="AE4E00"/>
+            </a:solidFill>
+            <a:prstDash val="solid"/>
+            <a:round/>
+            <a:headEnd type="none" w="sm" len="sm"/>
+            <a:tailEnd type="none" w="sm" len="sm"/>
+          </a:ln>
+        </p:spPr>
+        <p:txBody>
+          <a:bodyPr spcFirstLastPara="1" wrap="square" lIns="91425" tIns="45700" rIns="91425" bIns="45700" anchor="ctr" anchorCtr="0">
+            <a:noAutofit/>
+          </a:bodyPr>
+          <a:lstStyle/>
+          <a:p>
+            <a:pPr marL="0" marR="0" lvl="0" indent="0" algn="ctr" rtl="0">
+              <a:lnSpc>
+                <a:spcPct val="100000"/>
+              </a:lnSpc>
+              <a:spcBef>
+                <a:spcPts val="0"/>
+              </a:spcBef>
+              <a:spcAft>
+                <a:spcPts val="0"/>
+              </a:spcAft>
+              <a:buClr>
+                <a:schemeClr val="lt1"/>
+              </a:buClr>
+              <a:buSzPts val="1400"/>
+              <a:buFont typeface="Arial"/>
+              <a:buNone/>
+            </a:pPr>
+            <a:r>
+              <a:rPr lang="en-US" sz="1400" b="0" i="0" u="none" strike="noStrike" cap="none">
+                <a:solidFill>
+                  <a:schemeClr val="lt1"/>
+                </a:solidFill>
+                <a:latin typeface="Arial"/>
+                <a:ea typeface="Arial"/>
+                <a:cs typeface="Arial"/>
+                <a:sym typeface="Arial"/>
+              </a:rPr>
+              <a:t>D</a:t>
+            </a:r>
+            <a:r>
+              <a:rPr lang="en-US" sz="1400" b="0" i="0" u="none" strike="noStrike" cap="none" baseline="-25000">
+                <a:solidFill>
+                  <a:schemeClr val="lt1"/>
+                </a:solidFill>
+                <a:latin typeface="Arial"/>
+                <a:ea typeface="Arial"/>
+                <a:cs typeface="Arial"/>
+                <a:sym typeface="Arial"/>
+              </a:rPr>
+              <a:t>k</a:t>
+            </a:r>
+            <a:endParaRPr/>
+          </a:p>
+        </p:txBody>
+      </p:sp>
+      <p:sp>
+        <p:nvSpPr>
+          <p:cNvPr id="11" name="Google Shape;84;p12">
+            <a:extLst>
+              <a:ext uri="{FF2B5EF4-FFF2-40B4-BE49-F238E27FC236}">
+                <a16:creationId xmlns:a16="http://schemas.microsoft.com/office/drawing/2014/main" id="{182D414E-AE74-9A4D-B529-111EC3813912}"/>
+              </a:ext>
+            </a:extLst>
+          </p:cNvPr>
+          <p:cNvSpPr/>
+          <p:nvPr/>
+        </p:nvSpPr>
+        <p:spPr>
+          <a:xfrm>
+            <a:off x="1579399" y="4266940"/>
+            <a:ext cx="1893168" cy="576368"/>
+          </a:xfrm>
+          <a:prstGeom prst="ellipse">
+            <a:avLst/>
+          </a:prstGeom>
+          <a:solidFill>
+            <a:schemeClr val="tx1">
+              <a:lumMod val="50000"/>
+            </a:schemeClr>
+          </a:solidFill>
+          <a:ln w="25400" cap="flat" cmpd="sng">
+            <a:solidFill>
+              <a:schemeClr val="accent2">
+                <a:lumMod val="75000"/>
+              </a:schemeClr>
+            </a:solidFill>
+            <a:prstDash val="solid"/>
+            <a:round/>
+            <a:headEnd type="none" w="sm" len="sm"/>
+            <a:tailEnd type="none" w="sm" len="sm"/>
+          </a:ln>
+        </p:spPr>
+        <p:txBody>
+          <a:bodyPr spcFirstLastPara="1" wrap="square" lIns="91425" tIns="45700" rIns="91425" bIns="45700" anchor="ctr" anchorCtr="0">
+            <a:noAutofit/>
+          </a:bodyPr>
+          <a:lstStyle/>
+          <a:p>
+            <a:pPr lvl="0" algn="ctr">
+              <a:buClr>
+                <a:schemeClr val="lt1"/>
+              </a:buClr>
+              <a:buSzPts val="1400"/>
+            </a:pPr>
+            <a:r>
+              <a:rPr lang="en-US" altLang="zh-CN" dirty="0">
+                <a:solidFill>
+                  <a:schemeClr val="lt1"/>
+                </a:solidFill>
+              </a:rPr>
+              <a:t>Stacking</a:t>
+            </a:r>
+            <a:r>
+              <a:rPr lang="zh-CN" altLang="en-US" dirty="0">
+                <a:solidFill>
+                  <a:schemeClr val="lt1"/>
+                </a:solidFill>
+              </a:rPr>
+              <a:t> </a:t>
+            </a:r>
+            <a:r>
+              <a:rPr lang="en-US" altLang="zh-CN" dirty="0">
+                <a:solidFill>
+                  <a:schemeClr val="lt1"/>
+                </a:solidFill>
+              </a:rPr>
+              <a:t>(</a:t>
+            </a:r>
+            <a:r>
+              <a:rPr lang="en-US" dirty="0">
+                <a:solidFill>
+                  <a:schemeClr val="lt1"/>
+                </a:solidFill>
+              </a:rPr>
+              <a:t>Meta Learner</a:t>
+            </a:r>
+            <a:r>
+              <a:rPr lang="en-US" altLang="zh-CN" dirty="0">
+                <a:solidFill>
+                  <a:schemeClr val="lt1"/>
+                </a:solidFill>
+              </a:rPr>
+              <a:t>)</a:t>
+            </a:r>
+            <a:endParaRPr lang="en-US" dirty="0"/>
+          </a:p>
+        </p:txBody>
+      </p:sp>
+      <p:cxnSp>
+        <p:nvCxnSpPr>
+          <p:cNvPr id="12" name="Google Shape;85;p12">
+            <a:extLst>
+              <a:ext uri="{FF2B5EF4-FFF2-40B4-BE49-F238E27FC236}">
+                <a16:creationId xmlns:a16="http://schemas.microsoft.com/office/drawing/2014/main" id="{96553170-8569-9F47-978D-39303438711C}"/>
+              </a:ext>
+            </a:extLst>
+          </p:cNvPr>
+          <p:cNvCxnSpPr>
+            <a:stCxn id="7" idx="3"/>
+            <a:endCxn id="8" idx="0"/>
+          </p:cNvCxnSpPr>
+          <p:nvPr/>
+        </p:nvCxnSpPr>
+        <p:spPr>
+          <a:xfrm flipH="1">
+            <a:off x="1712383" y="3129161"/>
+            <a:ext cx="1003297" cy="340822"/>
+          </a:xfrm>
+          <a:prstGeom prst="straightConnector1">
+            <a:avLst/>
+          </a:prstGeom>
+          <a:noFill/>
+          <a:ln w="12700" cap="flat" cmpd="sng">
+            <a:solidFill>
+              <a:srgbClr val="EE6800"/>
+            </a:solidFill>
+            <a:prstDash val="solid"/>
+            <a:round/>
+            <a:headEnd type="none" w="sm" len="sm"/>
+            <a:tailEnd type="triangle" w="med" len="med"/>
+          </a:ln>
+        </p:spPr>
+      </p:cxnSp>
+      <p:cxnSp>
+        <p:nvCxnSpPr>
+          <p:cNvPr id="13" name="Google Shape;86;p12">
+            <a:extLst>
+              <a:ext uri="{FF2B5EF4-FFF2-40B4-BE49-F238E27FC236}">
+                <a16:creationId xmlns:a16="http://schemas.microsoft.com/office/drawing/2014/main" id="{B231462C-FC56-AD44-8733-0B563E89B3C1}"/>
+              </a:ext>
+            </a:extLst>
+          </p:cNvPr>
+          <p:cNvCxnSpPr>
+            <a:stCxn id="7" idx="3"/>
+            <a:endCxn id="9" idx="0"/>
+          </p:cNvCxnSpPr>
+          <p:nvPr/>
+        </p:nvCxnSpPr>
+        <p:spPr>
+          <a:xfrm flipH="1">
+            <a:off x="2348306" y="3129161"/>
+            <a:ext cx="367374" cy="340822"/>
+          </a:xfrm>
+          <a:prstGeom prst="straightConnector1">
+            <a:avLst/>
+          </a:prstGeom>
+          <a:noFill/>
+          <a:ln w="12700" cap="flat" cmpd="sng">
+            <a:solidFill>
+              <a:srgbClr val="EE6800"/>
+            </a:solidFill>
+            <a:prstDash val="solid"/>
+            <a:round/>
+            <a:headEnd type="none" w="sm" len="sm"/>
+            <a:tailEnd type="triangle" w="med" len="med"/>
+          </a:ln>
+        </p:spPr>
+      </p:cxnSp>
+      <p:cxnSp>
+        <p:nvCxnSpPr>
+          <p:cNvPr id="14" name="Google Shape;87;p12">
+            <a:extLst>
+              <a:ext uri="{FF2B5EF4-FFF2-40B4-BE49-F238E27FC236}">
+                <a16:creationId xmlns:a16="http://schemas.microsoft.com/office/drawing/2014/main" id="{5BA072C6-EA45-6241-8C77-505A5A509778}"/>
+              </a:ext>
+            </a:extLst>
+          </p:cNvPr>
+          <p:cNvCxnSpPr>
+            <a:stCxn id="7" idx="3"/>
+            <a:endCxn id="10" idx="0"/>
+          </p:cNvCxnSpPr>
+          <p:nvPr/>
+        </p:nvCxnSpPr>
+        <p:spPr>
+          <a:xfrm>
+            <a:off x="2715680" y="3129161"/>
+            <a:ext cx="749302" cy="346344"/>
+          </a:xfrm>
+          <a:prstGeom prst="straightConnector1">
+            <a:avLst/>
+          </a:prstGeom>
+          <a:noFill/>
+          <a:ln w="12700" cap="flat" cmpd="sng">
+            <a:solidFill>
+              <a:srgbClr val="EE6800"/>
+            </a:solidFill>
+            <a:prstDash val="solid"/>
+            <a:round/>
+            <a:headEnd type="none" w="sm" len="sm"/>
+            <a:tailEnd type="triangle" w="med" len="med"/>
+          </a:ln>
+        </p:spPr>
+      </p:cxnSp>
+      <p:pic>
+        <p:nvPicPr>
+          <p:cNvPr id="15" name="Google Shape;88;p12" descr="Image result for Ellipsis">
+            <a:extLst>
+              <a:ext uri="{FF2B5EF4-FFF2-40B4-BE49-F238E27FC236}">
+                <a16:creationId xmlns:a16="http://schemas.microsoft.com/office/drawing/2014/main" id="{E5588595-3C43-3F42-9694-13049280E865}"/>
+              </a:ext>
+            </a:extLst>
+          </p:cNvPr>
+          <p:cNvPicPr preferRelativeResize="0"/>
+          <p:nvPr/>
+        </p:nvPicPr>
+        <p:blipFill rotWithShape="1">
+          <a:blip r:embed="rId2">
+            <a:alphaModFix/>
+          </a:blip>
+          <a:srcRect/>
+          <a:stretch/>
+        </p:blipFill>
+        <p:spPr>
+          <a:xfrm>
+            <a:off x="2642951" y="3361917"/>
+            <a:ext cx="518151" cy="548640"/>
+          </a:xfrm>
+          <a:prstGeom prst="rect">
+            <a:avLst/>
+          </a:prstGeom>
+          <a:noFill/>
+          <a:ln>
+            <a:noFill/>
+          </a:ln>
+        </p:spPr>
+      </p:pic>
+      <p:cxnSp>
+        <p:nvCxnSpPr>
+          <p:cNvPr id="16" name="Google Shape;89;p12">
+            <a:extLst>
+              <a:ext uri="{FF2B5EF4-FFF2-40B4-BE49-F238E27FC236}">
+                <a16:creationId xmlns:a16="http://schemas.microsoft.com/office/drawing/2014/main" id="{01A75F3C-5C4E-9F4C-9416-ECBDF2DF68E9}"/>
+              </a:ext>
+            </a:extLst>
+          </p:cNvPr>
+          <p:cNvCxnSpPr>
+            <a:cxnSpLocks/>
+            <a:stCxn id="8" idx="2"/>
+            <a:endCxn id="11" idx="0"/>
+          </p:cNvCxnSpPr>
+          <p:nvPr/>
+        </p:nvCxnSpPr>
+        <p:spPr>
+          <a:xfrm>
+            <a:off x="1712383" y="3794179"/>
+            <a:ext cx="813600" cy="472761"/>
+          </a:xfrm>
+          <a:prstGeom prst="straightConnector1">
+            <a:avLst/>
+          </a:prstGeom>
+          <a:noFill/>
+          <a:ln w="12700" cap="flat" cmpd="sng">
+            <a:solidFill>
+              <a:srgbClr val="EE6800"/>
+            </a:solidFill>
+            <a:prstDash val="solid"/>
+            <a:round/>
+            <a:headEnd type="none" w="sm" len="sm"/>
+            <a:tailEnd type="triangle" w="med" len="med"/>
+          </a:ln>
+        </p:spPr>
+      </p:cxnSp>
+      <p:cxnSp>
+        <p:nvCxnSpPr>
+          <p:cNvPr id="17" name="Google Shape;90;p12">
+            <a:extLst>
+              <a:ext uri="{FF2B5EF4-FFF2-40B4-BE49-F238E27FC236}">
+                <a16:creationId xmlns:a16="http://schemas.microsoft.com/office/drawing/2014/main" id="{C92AF332-E6D1-CB4D-A087-9A0D707BD344}"/>
+              </a:ext>
+            </a:extLst>
+          </p:cNvPr>
+          <p:cNvCxnSpPr>
+            <a:cxnSpLocks/>
+            <a:stCxn id="9" idx="2"/>
+            <a:endCxn id="11" idx="0"/>
+          </p:cNvCxnSpPr>
+          <p:nvPr/>
+        </p:nvCxnSpPr>
+        <p:spPr>
+          <a:xfrm>
+            <a:off x="2348306" y="3794179"/>
+            <a:ext cx="177677" cy="472761"/>
+          </a:xfrm>
+          <a:prstGeom prst="straightConnector1">
+            <a:avLst/>
+          </a:prstGeom>
+          <a:noFill/>
+          <a:ln w="12700" cap="flat" cmpd="sng">
+            <a:solidFill>
+              <a:srgbClr val="EE6800"/>
+            </a:solidFill>
+            <a:prstDash val="solid"/>
+            <a:round/>
+            <a:headEnd type="none" w="sm" len="sm"/>
+            <a:tailEnd type="triangle" w="med" len="med"/>
+          </a:ln>
+        </p:spPr>
+      </p:cxnSp>
+      <p:cxnSp>
+        <p:nvCxnSpPr>
+          <p:cNvPr id="18" name="Google Shape;91;p12">
+            <a:extLst>
+              <a:ext uri="{FF2B5EF4-FFF2-40B4-BE49-F238E27FC236}">
+                <a16:creationId xmlns:a16="http://schemas.microsoft.com/office/drawing/2014/main" id="{D4C02396-0AC5-344B-A4FB-B4D1910FBB45}"/>
+              </a:ext>
+            </a:extLst>
+          </p:cNvPr>
+          <p:cNvCxnSpPr>
+            <a:cxnSpLocks/>
+            <a:stCxn id="10" idx="2"/>
+            <a:endCxn id="11" idx="0"/>
+          </p:cNvCxnSpPr>
+          <p:nvPr/>
+        </p:nvCxnSpPr>
+        <p:spPr>
+          <a:xfrm flipH="1">
+            <a:off x="2525983" y="3799701"/>
+            <a:ext cx="938999" cy="467239"/>
+          </a:xfrm>
+          <a:prstGeom prst="straightConnector1">
+            <a:avLst/>
+          </a:prstGeom>
+          <a:noFill/>
+          <a:ln w="12700" cap="flat" cmpd="sng">
+            <a:solidFill>
+              <a:srgbClr val="EE6800"/>
+            </a:solidFill>
+            <a:prstDash val="solid"/>
+            <a:round/>
+            <a:headEnd type="none" w="sm" len="sm"/>
+            <a:tailEnd type="triangle" w="med" len="med"/>
+          </a:ln>
+        </p:spPr>
+      </p:cxnSp>
+      <p:sp>
+        <p:nvSpPr>
+          <p:cNvPr id="19" name="Google Shape;92;p12">
+            <a:extLst>
+              <a:ext uri="{FF2B5EF4-FFF2-40B4-BE49-F238E27FC236}">
+                <a16:creationId xmlns:a16="http://schemas.microsoft.com/office/drawing/2014/main" id="{D9A4CE01-FDF4-4A4E-B829-493437A4A8D4}"/>
+              </a:ext>
+            </a:extLst>
+          </p:cNvPr>
+          <p:cNvSpPr/>
+          <p:nvPr/>
+        </p:nvSpPr>
+        <p:spPr>
+          <a:xfrm>
+            <a:off x="1345869" y="2571750"/>
+            <a:ext cx="2415858" cy="2468880"/>
+          </a:xfrm>
+          <a:prstGeom prst="rect">
+            <a:avLst/>
+          </a:prstGeom>
+          <a:noFill/>
+          <a:ln w="25400" cap="flat" cmpd="sng">
+            <a:solidFill>
+              <a:srgbClr val="AE4E00"/>
+            </a:solidFill>
+            <a:prstDash val="dot"/>
+            <a:round/>
+            <a:headEnd type="none" w="sm" len="sm"/>
+            <a:tailEnd type="none" w="sm" len="sm"/>
+          </a:ln>
+        </p:spPr>
+        <p:txBody>
+          <a:bodyPr spcFirstLastPara="1" wrap="square" lIns="91425" tIns="45700" rIns="91425" bIns="45700" anchor="ctr" anchorCtr="0">
+            <a:noAutofit/>
+          </a:bodyPr>
+          <a:lstStyle/>
+          <a:p>
+            <a:pPr marL="0" marR="0" lvl="0" indent="0" algn="ctr" rtl="0">
+              <a:lnSpc>
+                <a:spcPct val="100000"/>
+              </a:lnSpc>
+              <a:spcBef>
+                <a:spcPts val="0"/>
+              </a:spcBef>
+              <a:spcAft>
+                <a:spcPts val="0"/>
+              </a:spcAft>
+              <a:buClr>
+                <a:srgbClr val="000000"/>
+              </a:buClr>
+              <a:buSzPts val="1400"/>
+              <a:buFont typeface="Arial"/>
+              <a:buNone/>
+            </a:pPr>
+            <a:endParaRPr sz="1400" b="0" i="0" u="none" strike="noStrike" cap="none">
+              <a:solidFill>
+                <a:schemeClr val="lt1"/>
+              </a:solidFill>
+              <a:latin typeface="Arial"/>
+              <a:ea typeface="Arial"/>
+              <a:cs typeface="Arial"/>
+              <a:sym typeface="Arial"/>
+            </a:endParaRPr>
+          </a:p>
+        </p:txBody>
+      </p:sp>
+      <p:cxnSp>
+        <p:nvCxnSpPr>
+          <p:cNvPr id="20" name="Google Shape;93;p12">
+            <a:extLst>
+              <a:ext uri="{FF2B5EF4-FFF2-40B4-BE49-F238E27FC236}">
+                <a16:creationId xmlns:a16="http://schemas.microsoft.com/office/drawing/2014/main" id="{C0A3D4D2-FB18-7D42-B3F6-48BC6D49031B}"/>
+              </a:ext>
+            </a:extLst>
+          </p:cNvPr>
+          <p:cNvCxnSpPr>
+            <a:cxnSpLocks/>
+            <a:endCxn id="4" idx="0"/>
+          </p:cNvCxnSpPr>
+          <p:nvPr/>
+        </p:nvCxnSpPr>
+        <p:spPr>
+          <a:xfrm flipH="1">
+            <a:off x="4499506" y="3100076"/>
+            <a:ext cx="11980" cy="205687"/>
+          </a:xfrm>
+          <a:prstGeom prst="straightConnector1">
+            <a:avLst/>
+          </a:prstGeom>
+          <a:noFill/>
+          <a:ln w="12700" cap="flat" cmpd="sng">
+            <a:solidFill>
+              <a:srgbClr val="EE6800"/>
+            </a:solidFill>
+            <a:prstDash val="solid"/>
+            <a:round/>
+            <a:headEnd type="none" w="sm" len="sm"/>
+            <a:tailEnd type="triangle" w="med" len="med"/>
+          </a:ln>
+        </p:spPr>
+      </p:cxnSp>
+      <p:pic>
+        <p:nvPicPr>
+          <p:cNvPr id="21" name="Google Shape;94;p12" descr="Image result for Ellipsis">
+            <a:extLst>
+              <a:ext uri="{FF2B5EF4-FFF2-40B4-BE49-F238E27FC236}">
+                <a16:creationId xmlns:a16="http://schemas.microsoft.com/office/drawing/2014/main" id="{AB1EEC4F-4692-DE4A-B0C4-4AB88F2C07F5}"/>
+              </a:ext>
+            </a:extLst>
+          </p:cNvPr>
+          <p:cNvPicPr preferRelativeResize="0"/>
+          <p:nvPr/>
+        </p:nvPicPr>
+        <p:blipFill rotWithShape="1">
+          <a:blip r:embed="rId2">
+            <a:alphaModFix/>
+          </a:blip>
+          <a:srcRect/>
+          <a:stretch/>
+        </p:blipFill>
+        <p:spPr>
+          <a:xfrm rot="5400000">
+            <a:off x="4221246" y="4130439"/>
+            <a:ext cx="548640" cy="518151"/>
+          </a:xfrm>
+          <a:prstGeom prst="rect">
+            <a:avLst/>
+          </a:prstGeom>
+          <a:noFill/>
+          <a:ln>
+            <a:noFill/>
+          </a:ln>
+        </p:spPr>
+      </p:pic>
+      <p:cxnSp>
+        <p:nvCxnSpPr>
+          <p:cNvPr id="22" name="Google Shape;95;p12">
+            <a:extLst>
+              <a:ext uri="{FF2B5EF4-FFF2-40B4-BE49-F238E27FC236}">
+                <a16:creationId xmlns:a16="http://schemas.microsoft.com/office/drawing/2014/main" id="{D5BAB3D8-EC53-D047-9467-C82DAC27C73A}"/>
+              </a:ext>
+            </a:extLst>
+          </p:cNvPr>
+          <p:cNvCxnSpPr>
+            <a:cxnSpLocks/>
+            <a:endCxn id="5" idx="0"/>
+          </p:cNvCxnSpPr>
+          <p:nvPr/>
+        </p:nvCxnSpPr>
+        <p:spPr>
+          <a:xfrm flipH="1">
+            <a:off x="4496826" y="3630611"/>
+            <a:ext cx="17584" cy="214060"/>
+          </a:xfrm>
+          <a:prstGeom prst="straightConnector1">
+            <a:avLst/>
+          </a:prstGeom>
+          <a:noFill/>
+          <a:ln w="12700" cap="flat" cmpd="sng">
+            <a:solidFill>
+              <a:srgbClr val="EE6800"/>
+            </a:solidFill>
+            <a:prstDash val="solid"/>
+            <a:round/>
+            <a:headEnd type="none" w="sm" len="sm"/>
+            <a:tailEnd type="triangle" w="med" len="med"/>
+          </a:ln>
+        </p:spPr>
+      </p:cxnSp>
+      <p:sp>
+        <p:nvSpPr>
+          <p:cNvPr id="23" name="Google Shape;96;p12">
+            <a:extLst>
+              <a:ext uri="{FF2B5EF4-FFF2-40B4-BE49-F238E27FC236}">
+                <a16:creationId xmlns:a16="http://schemas.microsoft.com/office/drawing/2014/main" id="{E9D24489-7569-2B4C-AFD5-CCBC993F8625}"/>
+              </a:ext>
+            </a:extLst>
+          </p:cNvPr>
+          <p:cNvSpPr/>
+          <p:nvPr/>
+        </p:nvSpPr>
+        <p:spPr>
+          <a:xfrm>
+            <a:off x="3945810" y="2571750"/>
+            <a:ext cx="2418038" cy="2468880"/>
+          </a:xfrm>
+          <a:prstGeom prst="rect">
+            <a:avLst/>
+          </a:prstGeom>
+          <a:noFill/>
+          <a:ln w="25400" cap="flat" cmpd="sng">
+            <a:solidFill>
+              <a:srgbClr val="AE4E00"/>
+            </a:solidFill>
+            <a:prstDash val="dot"/>
+            <a:round/>
+            <a:headEnd type="none" w="sm" len="sm"/>
+            <a:tailEnd type="none" w="sm" len="sm"/>
+          </a:ln>
+        </p:spPr>
+        <p:txBody>
+          <a:bodyPr spcFirstLastPara="1" wrap="square" lIns="91425" tIns="45700" rIns="91425" bIns="45700" anchor="ctr" anchorCtr="0">
+            <a:noAutofit/>
+          </a:bodyPr>
+          <a:lstStyle/>
+          <a:p>
+            <a:pPr marL="0" marR="0" lvl="0" indent="0" algn="ctr" rtl="0">
+              <a:lnSpc>
+                <a:spcPct val="100000"/>
+              </a:lnSpc>
+              <a:spcBef>
+                <a:spcPts val="0"/>
+              </a:spcBef>
+              <a:spcAft>
+                <a:spcPts val="0"/>
+              </a:spcAft>
+              <a:buClr>
+                <a:srgbClr val="000000"/>
+              </a:buClr>
+              <a:buSzPts val="1400"/>
+              <a:buFont typeface="Arial"/>
+              <a:buNone/>
+            </a:pPr>
+            <a:endParaRPr sz="1400" b="0" i="0" u="none" strike="noStrike" cap="none">
+              <a:solidFill>
+                <a:schemeClr val="lt1"/>
+              </a:solidFill>
+              <a:latin typeface="Arial"/>
+              <a:ea typeface="Arial"/>
+              <a:cs typeface="Arial"/>
+              <a:sym typeface="Arial"/>
+            </a:endParaRPr>
+          </a:p>
+        </p:txBody>
+      </p:sp>
+      <p:sp>
+        <p:nvSpPr>
+          <p:cNvPr id="24" name="Google Shape;97;p12">
+            <a:extLst>
+              <a:ext uri="{FF2B5EF4-FFF2-40B4-BE49-F238E27FC236}">
+                <a16:creationId xmlns:a16="http://schemas.microsoft.com/office/drawing/2014/main" id="{8E546273-CA23-F142-A7B5-06C5DED509AB}"/>
+              </a:ext>
+            </a:extLst>
+          </p:cNvPr>
+          <p:cNvSpPr/>
+          <p:nvPr/>
+        </p:nvSpPr>
+        <p:spPr>
+          <a:xfrm>
+            <a:off x="7565314" y="2731106"/>
+            <a:ext cx="706570" cy="407324"/>
+          </a:xfrm>
+          <a:prstGeom prst="can">
+            <a:avLst>
+              <a:gd name="adj" fmla="val 25000"/>
+            </a:avLst>
+          </a:prstGeom>
+          <a:solidFill>
+            <a:schemeClr val="accent1"/>
+          </a:solidFill>
+          <a:ln w="25400" cap="flat" cmpd="sng">
+            <a:solidFill>
+              <a:srgbClr val="AE4E00"/>
+            </a:solidFill>
+            <a:prstDash val="solid"/>
+            <a:round/>
+            <a:headEnd type="none" w="sm" len="sm"/>
+            <a:tailEnd type="none" w="sm" len="sm"/>
+          </a:ln>
+        </p:spPr>
+        <p:txBody>
+          <a:bodyPr spcFirstLastPara="1" wrap="square" lIns="91425" tIns="45700" rIns="91425" bIns="45700" anchor="ctr" anchorCtr="0">
+            <a:noAutofit/>
+          </a:bodyPr>
+          <a:lstStyle/>
+          <a:p>
+            <a:pPr marL="0" marR="0" lvl="0" indent="0" algn="ctr" rtl="0">
+              <a:lnSpc>
+                <a:spcPct val="100000"/>
+              </a:lnSpc>
+              <a:spcBef>
+                <a:spcPts val="0"/>
+              </a:spcBef>
+              <a:spcAft>
+                <a:spcPts val="0"/>
+              </a:spcAft>
+              <a:buClr>
+                <a:schemeClr val="lt1"/>
+              </a:buClr>
+              <a:buSzPts val="1400"/>
+              <a:buFont typeface="Arial"/>
+              <a:buNone/>
+            </a:pPr>
+            <a:r>
+              <a:rPr lang="en-US" sz="1400" b="0" i="0" u="none" strike="noStrike" cap="none">
+                <a:solidFill>
+                  <a:schemeClr val="lt1"/>
+                </a:solidFill>
+                <a:latin typeface="Arial"/>
+                <a:ea typeface="Arial"/>
+                <a:cs typeface="Arial"/>
+                <a:sym typeface="Arial"/>
+              </a:rPr>
+              <a:t>Data</a:t>
+            </a:r>
+            <a:endParaRPr/>
+          </a:p>
+        </p:txBody>
+      </p:sp>
+      <p:sp>
+        <p:nvSpPr>
+          <p:cNvPr id="25" name="Google Shape;98;p12">
+            <a:extLst>
+              <a:ext uri="{FF2B5EF4-FFF2-40B4-BE49-F238E27FC236}">
+                <a16:creationId xmlns:a16="http://schemas.microsoft.com/office/drawing/2014/main" id="{E17C4E21-9AA2-8640-BAE5-80759C4EF191}"/>
+              </a:ext>
+            </a:extLst>
+          </p:cNvPr>
+          <p:cNvSpPr/>
+          <p:nvPr/>
+        </p:nvSpPr>
+        <p:spPr>
+          <a:xfrm>
+            <a:off x="6675853" y="3479252"/>
+            <a:ext cx="478898" cy="324196"/>
+          </a:xfrm>
+          <a:prstGeom prst="rect">
+            <a:avLst/>
+          </a:prstGeom>
+          <a:solidFill>
+            <a:schemeClr val="accent1"/>
+          </a:solidFill>
+          <a:ln w="25400" cap="flat" cmpd="sng">
+            <a:solidFill>
+              <a:srgbClr val="AE4E00"/>
+            </a:solidFill>
+            <a:prstDash val="solid"/>
+            <a:round/>
+            <a:headEnd type="none" w="sm" len="sm"/>
+            <a:tailEnd type="none" w="sm" len="sm"/>
+          </a:ln>
+        </p:spPr>
+        <p:txBody>
+          <a:bodyPr spcFirstLastPara="1" wrap="square" lIns="91425" tIns="45700" rIns="91425" bIns="45700" anchor="ctr" anchorCtr="0">
+            <a:noAutofit/>
+          </a:bodyPr>
+          <a:lstStyle/>
+          <a:p>
+            <a:pPr marL="0" marR="0" lvl="0" indent="0" algn="ctr" rtl="0">
+              <a:lnSpc>
+                <a:spcPct val="100000"/>
+              </a:lnSpc>
+              <a:spcBef>
+                <a:spcPts val="0"/>
+              </a:spcBef>
+              <a:spcAft>
+                <a:spcPts val="0"/>
+              </a:spcAft>
+              <a:buClr>
+                <a:schemeClr val="lt1"/>
+              </a:buClr>
+              <a:buSzPts val="1400"/>
+              <a:buFont typeface="Arial"/>
+              <a:buNone/>
+            </a:pPr>
+            <a:r>
+              <a:rPr lang="en-US" sz="1400" b="0" i="0" u="none" strike="noStrike" cap="none" dirty="0">
+                <a:solidFill>
+                  <a:schemeClr val="lt1"/>
+                </a:solidFill>
+                <a:latin typeface="Arial"/>
+                <a:ea typeface="Arial"/>
+                <a:cs typeface="Arial"/>
+                <a:sym typeface="Arial"/>
+              </a:rPr>
+              <a:t>D</a:t>
+            </a:r>
+            <a:r>
+              <a:rPr lang="en-US" sz="1400" b="0" i="0" u="none" strike="noStrike" cap="none" baseline="-25000" dirty="0">
+                <a:solidFill>
+                  <a:schemeClr val="lt1"/>
+                </a:solidFill>
+                <a:latin typeface="Arial"/>
+                <a:ea typeface="Arial"/>
+                <a:cs typeface="Arial"/>
+                <a:sym typeface="Arial"/>
+              </a:rPr>
+              <a:t>1</a:t>
+            </a:r>
+            <a:endParaRPr dirty="0"/>
+          </a:p>
+        </p:txBody>
+      </p:sp>
+      <p:sp>
+        <p:nvSpPr>
+          <p:cNvPr id="26" name="Google Shape;99;p12">
+            <a:extLst>
+              <a:ext uri="{FF2B5EF4-FFF2-40B4-BE49-F238E27FC236}">
+                <a16:creationId xmlns:a16="http://schemas.microsoft.com/office/drawing/2014/main" id="{A21065FE-4F00-614C-99AF-D83961971FF6}"/>
+              </a:ext>
+            </a:extLst>
+          </p:cNvPr>
+          <p:cNvSpPr/>
+          <p:nvPr/>
+        </p:nvSpPr>
+        <p:spPr>
+          <a:xfrm>
+            <a:off x="7311776" y="3479252"/>
+            <a:ext cx="478898" cy="324196"/>
+          </a:xfrm>
+          <a:prstGeom prst="rect">
+            <a:avLst/>
+          </a:prstGeom>
+          <a:solidFill>
+            <a:schemeClr val="tx1">
+              <a:lumMod val="50000"/>
+            </a:schemeClr>
+          </a:solidFill>
+          <a:ln w="25400" cap="flat" cmpd="sng">
+            <a:solidFill>
+              <a:schemeClr val="accent2">
+                <a:lumMod val="75000"/>
+              </a:schemeClr>
+            </a:solidFill>
+            <a:prstDash val="solid"/>
+            <a:round/>
+            <a:headEnd type="none" w="sm" len="sm"/>
+            <a:tailEnd type="none" w="sm" len="sm"/>
+          </a:ln>
+        </p:spPr>
+        <p:txBody>
+          <a:bodyPr spcFirstLastPara="1" wrap="square" lIns="91425" tIns="45700" rIns="91425" bIns="45700" anchor="ctr" anchorCtr="0">
+            <a:noAutofit/>
+          </a:bodyPr>
+          <a:lstStyle/>
+          <a:p>
+            <a:pPr marL="0" marR="0" lvl="0" indent="0" algn="ctr" rtl="0">
+              <a:lnSpc>
+                <a:spcPct val="100000"/>
+              </a:lnSpc>
+              <a:spcBef>
+                <a:spcPts val="0"/>
+              </a:spcBef>
+              <a:spcAft>
+                <a:spcPts val="0"/>
+              </a:spcAft>
+              <a:buClr>
+                <a:schemeClr val="lt1"/>
+              </a:buClr>
+              <a:buSzPts val="1400"/>
+              <a:buFont typeface="Arial"/>
+              <a:buNone/>
+            </a:pPr>
+            <a:r>
+              <a:rPr lang="en-US" sz="1400" b="0" i="0" u="none" strike="noStrike" cap="none" dirty="0">
+                <a:solidFill>
+                  <a:schemeClr val="lt1"/>
+                </a:solidFill>
+                <a:latin typeface="Arial"/>
+                <a:ea typeface="Arial"/>
+                <a:cs typeface="Arial"/>
+                <a:sym typeface="Arial"/>
+              </a:rPr>
+              <a:t>D</a:t>
+            </a:r>
+            <a:r>
+              <a:rPr lang="en-US" sz="1400" b="0" i="0" u="none" strike="noStrike" cap="none" baseline="-25000" dirty="0">
+                <a:solidFill>
+                  <a:schemeClr val="lt1"/>
+                </a:solidFill>
+                <a:latin typeface="Arial"/>
+                <a:ea typeface="Arial"/>
+                <a:cs typeface="Arial"/>
+                <a:sym typeface="Arial"/>
+              </a:rPr>
+              <a:t>2</a:t>
+            </a:r>
+            <a:endParaRPr dirty="0"/>
+          </a:p>
+        </p:txBody>
+      </p:sp>
+      <p:sp>
+        <p:nvSpPr>
+          <p:cNvPr id="27" name="Google Shape;100;p12">
+            <a:extLst>
+              <a:ext uri="{FF2B5EF4-FFF2-40B4-BE49-F238E27FC236}">
+                <a16:creationId xmlns:a16="http://schemas.microsoft.com/office/drawing/2014/main" id="{A1CC7AAA-4BAB-A44C-8F31-2BA016FD71DC}"/>
+              </a:ext>
+            </a:extLst>
+          </p:cNvPr>
+          <p:cNvSpPr/>
+          <p:nvPr/>
+        </p:nvSpPr>
+        <p:spPr>
+          <a:xfrm>
+            <a:off x="8428452" y="3484774"/>
+            <a:ext cx="478898" cy="324196"/>
+          </a:xfrm>
+          <a:prstGeom prst="rect">
+            <a:avLst/>
+          </a:prstGeom>
+          <a:solidFill>
+            <a:schemeClr val="accent1"/>
+          </a:solidFill>
+          <a:ln w="25400" cap="flat" cmpd="sng">
+            <a:solidFill>
+              <a:srgbClr val="AE4E00"/>
+            </a:solidFill>
+            <a:prstDash val="solid"/>
+            <a:round/>
+            <a:headEnd type="none" w="sm" len="sm"/>
+            <a:tailEnd type="none" w="sm" len="sm"/>
+          </a:ln>
+        </p:spPr>
+        <p:txBody>
+          <a:bodyPr spcFirstLastPara="1" wrap="square" lIns="91425" tIns="45700" rIns="91425" bIns="45700" anchor="ctr" anchorCtr="0">
+            <a:noAutofit/>
+          </a:bodyPr>
+          <a:lstStyle/>
+          <a:p>
+            <a:pPr marL="0" marR="0" lvl="0" indent="0" algn="ctr" rtl="0">
+              <a:lnSpc>
+                <a:spcPct val="100000"/>
+              </a:lnSpc>
+              <a:spcBef>
+                <a:spcPts val="0"/>
+              </a:spcBef>
+              <a:spcAft>
+                <a:spcPts val="0"/>
+              </a:spcAft>
+              <a:buClr>
+                <a:schemeClr val="lt1"/>
+              </a:buClr>
+              <a:buSzPts val="1400"/>
+              <a:buFont typeface="Arial"/>
+              <a:buNone/>
+            </a:pPr>
+            <a:r>
+              <a:rPr lang="en-US" sz="1400" b="0" i="0" u="none" strike="noStrike" cap="none">
+                <a:solidFill>
+                  <a:schemeClr val="lt1"/>
+                </a:solidFill>
+                <a:latin typeface="Arial"/>
+                <a:ea typeface="Arial"/>
+                <a:cs typeface="Arial"/>
+                <a:sym typeface="Arial"/>
+              </a:rPr>
+              <a:t>D</a:t>
+            </a:r>
+            <a:r>
+              <a:rPr lang="en-US" sz="1400" b="0" i="0" u="none" strike="noStrike" cap="none" baseline="-25000">
+                <a:solidFill>
+                  <a:schemeClr val="lt1"/>
+                </a:solidFill>
+                <a:latin typeface="Arial"/>
+                <a:ea typeface="Arial"/>
+                <a:cs typeface="Arial"/>
+                <a:sym typeface="Arial"/>
+              </a:rPr>
+              <a:t>k</a:t>
+            </a:r>
+            <a:endParaRPr/>
+          </a:p>
+        </p:txBody>
+      </p:sp>
+      <p:sp>
+        <p:nvSpPr>
+          <p:cNvPr id="28" name="Google Shape;101;p12">
+            <a:extLst>
+              <a:ext uri="{FF2B5EF4-FFF2-40B4-BE49-F238E27FC236}">
+                <a16:creationId xmlns:a16="http://schemas.microsoft.com/office/drawing/2014/main" id="{9042EFCE-BB48-BE44-BDC1-F69376C468C1}"/>
+              </a:ext>
+            </a:extLst>
+          </p:cNvPr>
+          <p:cNvSpPr/>
+          <p:nvPr/>
+        </p:nvSpPr>
+        <p:spPr>
+          <a:xfrm>
+            <a:off x="7099802" y="4281730"/>
+            <a:ext cx="1585856" cy="576368"/>
+          </a:xfrm>
+          <a:prstGeom prst="ellipse">
+            <a:avLst/>
+          </a:prstGeom>
+          <a:solidFill>
+            <a:schemeClr val="tx1">
+              <a:lumMod val="50000"/>
+            </a:schemeClr>
+          </a:solidFill>
+          <a:ln w="25400" cap="flat" cmpd="sng">
+            <a:solidFill>
+              <a:schemeClr val="accent2">
+                <a:lumMod val="75000"/>
+              </a:schemeClr>
+            </a:solidFill>
+            <a:prstDash val="solid"/>
+            <a:round/>
+            <a:headEnd type="none" w="sm" len="sm"/>
+            <a:tailEnd type="none" w="sm" len="sm"/>
+          </a:ln>
+        </p:spPr>
+        <p:txBody>
+          <a:bodyPr spcFirstLastPara="1" wrap="square" lIns="91425" tIns="45700" rIns="91425" bIns="45700" anchor="ctr" anchorCtr="0">
+            <a:noAutofit/>
+          </a:bodyPr>
+          <a:lstStyle/>
+          <a:p>
+            <a:pPr marL="0" marR="0" lvl="0" indent="0" algn="ctr" rtl="0">
+              <a:lnSpc>
+                <a:spcPct val="100000"/>
+              </a:lnSpc>
+              <a:spcBef>
+                <a:spcPts val="0"/>
+              </a:spcBef>
+              <a:spcAft>
+                <a:spcPts val="0"/>
+              </a:spcAft>
+              <a:buClr>
+                <a:schemeClr val="lt1"/>
+              </a:buClr>
+              <a:buSzPts val="1400"/>
+              <a:buFont typeface="Arial"/>
+              <a:buNone/>
+            </a:pPr>
+            <a:r>
+              <a:rPr lang="en-US" sz="1400" b="0" i="0" u="none" strike="noStrike" cap="none" dirty="0">
+                <a:solidFill>
+                  <a:schemeClr val="lt1"/>
+                </a:solidFill>
+                <a:latin typeface="Arial"/>
+                <a:ea typeface="Arial"/>
+                <a:cs typeface="Arial"/>
+                <a:sym typeface="Arial"/>
+              </a:rPr>
+              <a:t>Classifier Selection</a:t>
+            </a:r>
+            <a:endParaRPr dirty="0"/>
+          </a:p>
+        </p:txBody>
+      </p:sp>
+      <p:cxnSp>
+        <p:nvCxnSpPr>
+          <p:cNvPr id="29" name="Google Shape;102;p12">
+            <a:extLst>
+              <a:ext uri="{FF2B5EF4-FFF2-40B4-BE49-F238E27FC236}">
+                <a16:creationId xmlns:a16="http://schemas.microsoft.com/office/drawing/2014/main" id="{D1BA3DF7-E62E-D242-BA16-89A8D7BF1BAE}"/>
+              </a:ext>
+            </a:extLst>
+          </p:cNvPr>
+          <p:cNvCxnSpPr>
+            <a:stCxn id="24" idx="3"/>
+            <a:endCxn id="25" idx="0"/>
+          </p:cNvCxnSpPr>
+          <p:nvPr/>
+        </p:nvCxnSpPr>
+        <p:spPr>
+          <a:xfrm flipH="1">
+            <a:off x="6915302" y="3138430"/>
+            <a:ext cx="1003297" cy="340822"/>
+          </a:xfrm>
+          <a:prstGeom prst="straightConnector1">
+            <a:avLst/>
+          </a:prstGeom>
+          <a:noFill/>
+          <a:ln w="12700" cap="flat" cmpd="sng">
+            <a:solidFill>
+              <a:srgbClr val="EE6800"/>
+            </a:solidFill>
+            <a:prstDash val="solid"/>
+            <a:round/>
+            <a:headEnd type="none" w="sm" len="sm"/>
+            <a:tailEnd type="triangle" w="med" len="med"/>
+          </a:ln>
+        </p:spPr>
+      </p:cxnSp>
+      <p:cxnSp>
+        <p:nvCxnSpPr>
+          <p:cNvPr id="30" name="Google Shape;103;p12">
+            <a:extLst>
+              <a:ext uri="{FF2B5EF4-FFF2-40B4-BE49-F238E27FC236}">
+                <a16:creationId xmlns:a16="http://schemas.microsoft.com/office/drawing/2014/main" id="{81BD3292-5C4A-9E44-8BAE-6FC72F950B77}"/>
+              </a:ext>
+            </a:extLst>
+          </p:cNvPr>
+          <p:cNvCxnSpPr>
+            <a:stCxn id="24" idx="3"/>
+            <a:endCxn id="26" idx="0"/>
+          </p:cNvCxnSpPr>
+          <p:nvPr/>
+        </p:nvCxnSpPr>
+        <p:spPr>
+          <a:xfrm flipH="1">
+            <a:off x="7551225" y="3138430"/>
+            <a:ext cx="367374" cy="340822"/>
+          </a:xfrm>
+          <a:prstGeom prst="straightConnector1">
+            <a:avLst/>
+          </a:prstGeom>
+          <a:noFill/>
+          <a:ln w="12700" cap="flat" cmpd="sng">
+            <a:solidFill>
+              <a:srgbClr val="EE6800"/>
+            </a:solidFill>
+            <a:prstDash val="solid"/>
+            <a:round/>
+            <a:headEnd type="none" w="sm" len="sm"/>
+            <a:tailEnd type="triangle" w="med" len="med"/>
+          </a:ln>
+        </p:spPr>
+      </p:cxnSp>
+      <p:cxnSp>
+        <p:nvCxnSpPr>
+          <p:cNvPr id="31" name="Google Shape;104;p12">
+            <a:extLst>
+              <a:ext uri="{FF2B5EF4-FFF2-40B4-BE49-F238E27FC236}">
+                <a16:creationId xmlns:a16="http://schemas.microsoft.com/office/drawing/2014/main" id="{B0AB128D-BD08-294C-AD5D-B94C16748C64}"/>
+              </a:ext>
+            </a:extLst>
+          </p:cNvPr>
+          <p:cNvCxnSpPr>
+            <a:stCxn id="24" idx="3"/>
+            <a:endCxn id="27" idx="0"/>
+          </p:cNvCxnSpPr>
+          <p:nvPr/>
+        </p:nvCxnSpPr>
+        <p:spPr>
+          <a:xfrm>
+            <a:off x="7918599" y="3138430"/>
+            <a:ext cx="749302" cy="346344"/>
+          </a:xfrm>
+          <a:prstGeom prst="straightConnector1">
+            <a:avLst/>
+          </a:prstGeom>
+          <a:noFill/>
+          <a:ln w="12700" cap="flat" cmpd="sng">
+            <a:solidFill>
+              <a:srgbClr val="EE6800"/>
+            </a:solidFill>
+            <a:prstDash val="solid"/>
+            <a:round/>
+            <a:headEnd type="none" w="sm" len="sm"/>
+            <a:tailEnd type="triangle" w="med" len="med"/>
+          </a:ln>
+        </p:spPr>
+      </p:cxnSp>
+      <p:pic>
+        <p:nvPicPr>
+          <p:cNvPr id="32" name="Google Shape;105;p12" descr="Image result for Ellipsis">
+            <a:extLst>
+              <a:ext uri="{FF2B5EF4-FFF2-40B4-BE49-F238E27FC236}">
+                <a16:creationId xmlns:a16="http://schemas.microsoft.com/office/drawing/2014/main" id="{DB2B5B3C-5593-4D49-97C9-C9A16F6EB45C}"/>
+              </a:ext>
+            </a:extLst>
+          </p:cNvPr>
+          <p:cNvPicPr preferRelativeResize="0"/>
+          <p:nvPr/>
+        </p:nvPicPr>
+        <p:blipFill rotWithShape="1">
+          <a:blip r:embed="rId2">
+            <a:alphaModFix/>
+          </a:blip>
+          <a:srcRect/>
+          <a:stretch/>
+        </p:blipFill>
+        <p:spPr>
+          <a:xfrm>
+            <a:off x="7845870" y="3371186"/>
+            <a:ext cx="518151" cy="548640"/>
+          </a:xfrm>
+          <a:prstGeom prst="rect">
+            <a:avLst/>
+          </a:prstGeom>
+          <a:noFill/>
+          <a:ln>
+            <a:noFill/>
+          </a:ln>
+        </p:spPr>
+      </p:pic>
+      <p:cxnSp>
+        <p:nvCxnSpPr>
+          <p:cNvPr id="33" name="Google Shape;106;p12">
+            <a:extLst>
+              <a:ext uri="{FF2B5EF4-FFF2-40B4-BE49-F238E27FC236}">
+                <a16:creationId xmlns:a16="http://schemas.microsoft.com/office/drawing/2014/main" id="{7FF705F5-27F8-A040-BAE8-187015908E00}"/>
+              </a:ext>
+            </a:extLst>
+          </p:cNvPr>
+          <p:cNvCxnSpPr>
+            <a:stCxn id="25" idx="2"/>
+            <a:endCxn id="28" idx="0"/>
+          </p:cNvCxnSpPr>
+          <p:nvPr/>
+        </p:nvCxnSpPr>
+        <p:spPr>
+          <a:xfrm>
+            <a:off x="6915302" y="3803448"/>
+            <a:ext cx="977428" cy="478282"/>
+          </a:xfrm>
+          <a:prstGeom prst="straightConnector1">
+            <a:avLst/>
+          </a:prstGeom>
+          <a:noFill/>
+          <a:ln w="12700" cap="flat" cmpd="sng">
+            <a:solidFill>
+              <a:srgbClr val="EE6800"/>
+            </a:solidFill>
+            <a:prstDash val="solid"/>
+            <a:round/>
+            <a:headEnd type="none" w="sm" len="sm"/>
+            <a:tailEnd type="triangle" w="med" len="med"/>
+          </a:ln>
+        </p:spPr>
+      </p:cxnSp>
+      <p:cxnSp>
+        <p:nvCxnSpPr>
+          <p:cNvPr id="34" name="Google Shape;107;p12">
+            <a:extLst>
+              <a:ext uri="{FF2B5EF4-FFF2-40B4-BE49-F238E27FC236}">
+                <a16:creationId xmlns:a16="http://schemas.microsoft.com/office/drawing/2014/main" id="{045540E0-1016-D949-B33F-7CD6CE0E07A4}"/>
+              </a:ext>
+            </a:extLst>
+          </p:cNvPr>
+          <p:cNvCxnSpPr>
+            <a:stCxn id="26" idx="2"/>
+            <a:endCxn id="28" idx="0"/>
+          </p:cNvCxnSpPr>
+          <p:nvPr/>
+        </p:nvCxnSpPr>
+        <p:spPr>
+          <a:xfrm>
+            <a:off x="7551225" y="3803448"/>
+            <a:ext cx="341505" cy="478282"/>
+          </a:xfrm>
+          <a:prstGeom prst="straightConnector1">
+            <a:avLst/>
+          </a:prstGeom>
+          <a:noFill/>
+          <a:ln w="12700" cap="flat" cmpd="sng">
+            <a:solidFill>
+              <a:srgbClr val="EE6800"/>
+            </a:solidFill>
+            <a:prstDash val="solid"/>
+            <a:round/>
+            <a:headEnd type="none" w="sm" len="sm"/>
+            <a:tailEnd type="triangle" w="med" len="med"/>
+          </a:ln>
+        </p:spPr>
+      </p:cxnSp>
+      <p:cxnSp>
+        <p:nvCxnSpPr>
+          <p:cNvPr id="35" name="Google Shape;108;p12">
+            <a:extLst>
+              <a:ext uri="{FF2B5EF4-FFF2-40B4-BE49-F238E27FC236}">
+                <a16:creationId xmlns:a16="http://schemas.microsoft.com/office/drawing/2014/main" id="{DF111537-5AB3-FC4C-AD7D-D47D90995A95}"/>
+              </a:ext>
+            </a:extLst>
+          </p:cNvPr>
+          <p:cNvCxnSpPr>
+            <a:stCxn id="27" idx="2"/>
+            <a:endCxn id="28" idx="0"/>
+          </p:cNvCxnSpPr>
+          <p:nvPr/>
+        </p:nvCxnSpPr>
+        <p:spPr>
+          <a:xfrm flipH="1">
+            <a:off x="7892730" y="3808970"/>
+            <a:ext cx="775171" cy="472760"/>
+          </a:xfrm>
+          <a:prstGeom prst="straightConnector1">
+            <a:avLst/>
+          </a:prstGeom>
+          <a:noFill/>
+          <a:ln w="12700" cap="flat" cmpd="sng">
+            <a:solidFill>
+              <a:srgbClr val="EE6800"/>
+            </a:solidFill>
+            <a:prstDash val="solid"/>
+            <a:round/>
+            <a:headEnd type="none" w="sm" len="sm"/>
+            <a:tailEnd type="triangle" w="med" len="med"/>
+          </a:ln>
+        </p:spPr>
+      </p:cxnSp>
+      <p:sp>
+        <p:nvSpPr>
+          <p:cNvPr id="36" name="Google Shape;109;p12">
+            <a:extLst>
+              <a:ext uri="{FF2B5EF4-FFF2-40B4-BE49-F238E27FC236}">
+                <a16:creationId xmlns:a16="http://schemas.microsoft.com/office/drawing/2014/main" id="{86A38E04-BD91-E94F-9896-E69D8AF279B6}"/>
+              </a:ext>
+            </a:extLst>
+          </p:cNvPr>
+          <p:cNvSpPr/>
+          <p:nvPr/>
+        </p:nvSpPr>
+        <p:spPr>
+          <a:xfrm>
+            <a:off x="6559691" y="2571750"/>
+            <a:ext cx="2418038" cy="2468880"/>
+          </a:xfrm>
+          <a:prstGeom prst="rect">
+            <a:avLst/>
+          </a:prstGeom>
+          <a:noFill/>
+          <a:ln w="25400" cap="flat" cmpd="sng">
+            <a:solidFill>
+              <a:srgbClr val="AE4E00"/>
+            </a:solidFill>
+            <a:prstDash val="dot"/>
+            <a:round/>
+            <a:headEnd type="none" w="sm" len="sm"/>
+            <a:tailEnd type="none" w="sm" len="sm"/>
+          </a:ln>
+        </p:spPr>
+        <p:txBody>
+          <a:bodyPr spcFirstLastPara="1" wrap="square" lIns="91425" tIns="45700" rIns="91425" bIns="45700" anchor="ctr" anchorCtr="0">
+            <a:noAutofit/>
+          </a:bodyPr>
+          <a:lstStyle/>
+          <a:p>
+            <a:pPr marL="0" marR="0" lvl="0" indent="0" algn="ctr" rtl="0">
+              <a:lnSpc>
+                <a:spcPct val="100000"/>
+              </a:lnSpc>
+              <a:spcBef>
+                <a:spcPts val="0"/>
+              </a:spcBef>
+              <a:spcAft>
+                <a:spcPts val="0"/>
+              </a:spcAft>
+              <a:buClr>
+                <a:srgbClr val="000000"/>
+              </a:buClr>
+              <a:buSzPts val="1400"/>
+              <a:buFont typeface="Arial"/>
+              <a:buNone/>
+            </a:pPr>
+            <a:endParaRPr sz="1400" b="0" i="0" u="none" strike="noStrike" cap="none">
+              <a:solidFill>
+                <a:schemeClr val="lt1"/>
+              </a:solidFill>
+              <a:latin typeface="Arial"/>
+              <a:ea typeface="Arial"/>
+              <a:cs typeface="Arial"/>
+              <a:sym typeface="Arial"/>
+            </a:endParaRPr>
+          </a:p>
+        </p:txBody>
+      </p:sp>
+      <p:sp>
+        <p:nvSpPr>
+          <p:cNvPr id="86" name="Google Shape;77;p12">
+            <a:extLst>
+              <a:ext uri="{FF2B5EF4-FFF2-40B4-BE49-F238E27FC236}">
+                <a16:creationId xmlns:a16="http://schemas.microsoft.com/office/drawing/2014/main" id="{C5B6FF4E-36D3-AF49-A8F7-91F9464E820D}"/>
+              </a:ext>
+            </a:extLst>
+          </p:cNvPr>
+          <p:cNvSpPr/>
+          <p:nvPr/>
+        </p:nvSpPr>
+        <p:spPr>
+          <a:xfrm>
+            <a:off x="5065426" y="3705947"/>
+            <a:ext cx="1238613" cy="613515"/>
+          </a:xfrm>
+          <a:prstGeom prst="rect">
+            <a:avLst/>
+          </a:prstGeom>
+          <a:solidFill>
+            <a:schemeClr val="tx1">
+              <a:lumMod val="50000"/>
+            </a:schemeClr>
+          </a:solidFill>
+          <a:ln w="25400" cap="flat" cmpd="sng">
+            <a:solidFill>
+              <a:schemeClr val="accent2">
+                <a:lumMod val="75000"/>
+              </a:schemeClr>
+            </a:solidFill>
+            <a:prstDash val="solid"/>
+            <a:round/>
+            <a:headEnd type="none" w="sm" len="sm"/>
+            <a:tailEnd type="none" w="sm" len="sm"/>
+          </a:ln>
+        </p:spPr>
+        <p:txBody>
+          <a:bodyPr spcFirstLastPara="1" wrap="square" lIns="91425" tIns="45700" rIns="91425" bIns="45700" anchor="ctr" anchorCtr="0">
+            <a:noAutofit/>
+          </a:bodyPr>
+          <a:lstStyle/>
+          <a:p>
+            <a:pPr marL="0" marR="0" lvl="0" indent="0" algn="ctr" rtl="0">
+              <a:lnSpc>
+                <a:spcPct val="100000"/>
+              </a:lnSpc>
+              <a:spcBef>
+                <a:spcPts val="0"/>
+              </a:spcBef>
+              <a:spcAft>
+                <a:spcPts val="0"/>
+              </a:spcAft>
+              <a:buClr>
+                <a:schemeClr val="lt1"/>
+              </a:buClr>
+              <a:buSzPts val="1400"/>
+              <a:buFont typeface="Arial"/>
+              <a:buNone/>
+            </a:pPr>
+            <a:r>
+              <a:rPr lang="en-US" sz="1400" b="0" i="0" u="none" strike="noStrike" cap="none" dirty="0">
+                <a:solidFill>
+                  <a:schemeClr val="lt1"/>
+                </a:solidFill>
+                <a:latin typeface="Arial"/>
+                <a:ea typeface="Arial"/>
+                <a:cs typeface="Arial"/>
+                <a:sym typeface="Arial"/>
+              </a:rPr>
+              <a:t>Sequential Combination</a:t>
+            </a:r>
+            <a:endParaRPr dirty="0"/>
+          </a:p>
+        </p:txBody>
+      </p:sp>
+      <p:cxnSp>
+        <p:nvCxnSpPr>
+          <p:cNvPr id="92" name="Google Shape;102;p12">
+            <a:extLst>
+              <a:ext uri="{FF2B5EF4-FFF2-40B4-BE49-F238E27FC236}">
+                <a16:creationId xmlns:a16="http://schemas.microsoft.com/office/drawing/2014/main" id="{C16BBEEB-FE55-F24C-AB2A-79F1BAB5A1BF}"/>
+              </a:ext>
+            </a:extLst>
+          </p:cNvPr>
+          <p:cNvCxnSpPr>
+            <a:cxnSpLocks/>
+            <a:stCxn id="86" idx="1"/>
+            <a:endCxn id="5" idx="3"/>
+          </p:cNvCxnSpPr>
+          <p:nvPr/>
+        </p:nvCxnSpPr>
+        <p:spPr>
+          <a:xfrm flipH="1" flipV="1">
+            <a:off x="4736275" y="4006769"/>
+            <a:ext cx="329151" cy="5936"/>
+          </a:xfrm>
+          <a:prstGeom prst="straightConnector1">
+            <a:avLst/>
+          </a:prstGeom>
+          <a:noFill/>
+          <a:ln w="12700" cap="flat" cmpd="sng">
+            <a:solidFill>
+              <a:srgbClr val="EE6800"/>
+            </a:solidFill>
+            <a:prstDash val="solid"/>
+            <a:round/>
+            <a:headEnd type="none" w="sm" len="sm"/>
+            <a:tailEnd type="triangle" w="med" len="med"/>
+          </a:ln>
+        </p:spPr>
+      </p:cxnSp>
+      <p:cxnSp>
+        <p:nvCxnSpPr>
+          <p:cNvPr id="101" name="Elbow Connector 100">
+            <a:extLst>
+              <a:ext uri="{FF2B5EF4-FFF2-40B4-BE49-F238E27FC236}">
+                <a16:creationId xmlns:a16="http://schemas.microsoft.com/office/drawing/2014/main" id="{A88C239D-B6C0-B548-9CB8-7D12BECC4E3D}"/>
+              </a:ext>
+            </a:extLst>
+          </p:cNvPr>
+          <p:cNvCxnSpPr>
+            <a:cxnSpLocks/>
+            <a:stCxn id="86" idx="0"/>
+          </p:cNvCxnSpPr>
+          <p:nvPr/>
+        </p:nvCxnSpPr>
+        <p:spPr>
+          <a:xfrm rot="16200000" flipV="1">
+            <a:off x="5107625" y="3128839"/>
+            <a:ext cx="237434" cy="916782"/>
+          </a:xfrm>
+          <a:prstGeom prst="bentConnector2">
+            <a:avLst/>
+          </a:prstGeom>
+          <a:ln>
+            <a:tailEnd type="triangle"/>
+          </a:ln>
+        </p:spPr>
+        <p:style>
+          <a:lnRef idx="1">
+            <a:schemeClr val="accent1"/>
+          </a:lnRef>
+          <a:fillRef idx="0">
+            <a:schemeClr val="accent1"/>
+          </a:fillRef>
+          <a:effectRef idx="0">
+            <a:schemeClr val="accent1"/>
+          </a:effectRef>
+          <a:fontRef idx="minor">
+            <a:schemeClr val="tx1"/>
+          </a:fontRef>
+        </p:style>
+      </p:cxnSp>
+      <p:cxnSp>
+        <p:nvCxnSpPr>
+          <p:cNvPr id="104" name="Elbow Connector 103">
+            <a:extLst>
+              <a:ext uri="{FF2B5EF4-FFF2-40B4-BE49-F238E27FC236}">
+                <a16:creationId xmlns:a16="http://schemas.microsoft.com/office/drawing/2014/main" id="{76D55888-56CD-D143-AB2F-13C4DA09048C}"/>
+              </a:ext>
+            </a:extLst>
+          </p:cNvPr>
+          <p:cNvCxnSpPr>
+            <a:cxnSpLocks/>
+            <a:stCxn id="86" idx="2"/>
+            <a:endCxn id="6" idx="3"/>
+          </p:cNvCxnSpPr>
+          <p:nvPr/>
+        </p:nvCxnSpPr>
+        <p:spPr>
+          <a:xfrm rot="5400000">
+            <a:off x="4986396" y="4069341"/>
+            <a:ext cx="448217" cy="948458"/>
+          </a:xfrm>
+          <a:prstGeom prst="bentConnector2">
+            <a:avLst/>
+          </a:prstGeom>
+          <a:ln>
+            <a:tailEnd type="triangle"/>
+          </a:ln>
+        </p:spPr>
+        <p:style>
+          <a:lnRef idx="1">
+            <a:schemeClr val="accent1"/>
+          </a:lnRef>
+          <a:fillRef idx="0">
+            <a:schemeClr val="accent1"/>
+          </a:fillRef>
+          <a:effectRef idx="0">
+            <a:schemeClr val="accent1"/>
+          </a:effectRef>
+          <a:fontRef idx="minor">
+            <a:schemeClr val="tx1"/>
+          </a:fontRef>
+        </p:style>
+      </p:cxnSp>
+      <p:sp>
+        <p:nvSpPr>
+          <p:cNvPr id="99" name="Google Shape;77;p12">
+            <a:extLst>
+              <a:ext uri="{FF2B5EF4-FFF2-40B4-BE49-F238E27FC236}">
+                <a16:creationId xmlns:a16="http://schemas.microsoft.com/office/drawing/2014/main" id="{8A02ADBF-15CC-5E4E-A662-426902702188}"/>
+              </a:ext>
+            </a:extLst>
+          </p:cNvPr>
+          <p:cNvSpPr/>
+          <p:nvPr/>
+        </p:nvSpPr>
+        <p:spPr>
+          <a:xfrm>
+            <a:off x="144002" y="3487421"/>
+            <a:ext cx="999956" cy="613515"/>
+          </a:xfrm>
+          <a:prstGeom prst="rect">
+            <a:avLst/>
+          </a:prstGeom>
+          <a:solidFill>
+            <a:schemeClr val="tx1">
+              <a:lumMod val="50000"/>
+            </a:schemeClr>
+          </a:solidFill>
+          <a:ln w="25400" cap="flat" cmpd="sng">
+            <a:solidFill>
+              <a:schemeClr val="accent2">
+                <a:lumMod val="75000"/>
+              </a:schemeClr>
+            </a:solidFill>
+            <a:prstDash val="solid"/>
+            <a:round/>
+            <a:headEnd type="none" w="sm" len="sm"/>
+            <a:tailEnd type="none" w="sm" len="sm"/>
+          </a:ln>
+        </p:spPr>
+        <p:txBody>
+          <a:bodyPr spcFirstLastPara="1" wrap="square" lIns="91425" tIns="45700" rIns="91425" bIns="45700" anchor="ctr" anchorCtr="0">
+            <a:noAutofit/>
+          </a:bodyPr>
+          <a:lstStyle/>
+          <a:p>
+            <a:pPr marL="0" marR="0" lvl="0" indent="0" algn="ctr" rtl="0">
+              <a:lnSpc>
+                <a:spcPct val="100000"/>
+              </a:lnSpc>
+              <a:spcBef>
+                <a:spcPts val="0"/>
+              </a:spcBef>
+              <a:spcAft>
+                <a:spcPts val="0"/>
+              </a:spcAft>
+              <a:buClr>
+                <a:schemeClr val="lt1"/>
+              </a:buClr>
+              <a:buSzPts val="1400"/>
+              <a:buFont typeface="Arial"/>
+              <a:buNone/>
+            </a:pPr>
+            <a:r>
+              <a:rPr lang="en-US" altLang="zh-CN" dirty="0">
+                <a:solidFill>
+                  <a:schemeClr val="lt1"/>
+                </a:solidFill>
+              </a:rPr>
+              <a:t>Advanced</a:t>
+            </a:r>
+            <a:r>
+              <a:rPr lang="zh-CN" altLang="en-US" dirty="0">
+                <a:solidFill>
+                  <a:schemeClr val="lt1"/>
+                </a:solidFill>
+              </a:rPr>
+              <a:t> </a:t>
+            </a:r>
+            <a:r>
+              <a:rPr lang="en-US" altLang="zh-CN" dirty="0">
+                <a:solidFill>
+                  <a:schemeClr val="lt1"/>
+                </a:solidFill>
+              </a:rPr>
+              <a:t>Methods</a:t>
+            </a:r>
+            <a:endParaRPr dirty="0"/>
+          </a:p>
+        </p:txBody>
+      </p:sp>
+      <p:sp>
+        <p:nvSpPr>
+          <p:cNvPr id="81" name="Google Shape;142;p14">
+            <a:extLst>
+              <a:ext uri="{FF2B5EF4-FFF2-40B4-BE49-F238E27FC236}">
+                <a16:creationId xmlns:a16="http://schemas.microsoft.com/office/drawing/2014/main" id="{5FF51706-3E46-1941-8030-C5E0A296BD33}"/>
+              </a:ext>
+            </a:extLst>
+          </p:cNvPr>
+          <p:cNvSpPr/>
+          <p:nvPr/>
+        </p:nvSpPr>
+        <p:spPr>
+          <a:xfrm>
+            <a:off x="2305595" y="313526"/>
+            <a:ext cx="706570" cy="407324"/>
+          </a:xfrm>
+          <a:prstGeom prst="can">
+            <a:avLst>
+              <a:gd name="adj" fmla="val 25000"/>
+            </a:avLst>
+          </a:prstGeom>
+          <a:solidFill>
+            <a:schemeClr val="accent1"/>
+          </a:solidFill>
+          <a:ln w="25400" cap="flat" cmpd="sng">
+            <a:solidFill>
+              <a:srgbClr val="AE4E00"/>
+            </a:solidFill>
+            <a:prstDash val="solid"/>
+            <a:round/>
+            <a:headEnd type="none" w="sm" len="sm"/>
+            <a:tailEnd type="none" w="sm" len="sm"/>
+          </a:ln>
+        </p:spPr>
+        <p:txBody>
+          <a:bodyPr spcFirstLastPara="1" wrap="square" lIns="91425" tIns="45700" rIns="91425" bIns="45700" anchor="ctr" anchorCtr="0">
+            <a:noAutofit/>
+          </a:bodyPr>
+          <a:lstStyle/>
+          <a:p>
+            <a:pPr marL="0" marR="0" lvl="0" indent="0" algn="ctr" rtl="0">
+              <a:lnSpc>
+                <a:spcPct val="100000"/>
+              </a:lnSpc>
+              <a:spcBef>
+                <a:spcPts val="0"/>
+              </a:spcBef>
+              <a:spcAft>
+                <a:spcPts val="0"/>
+              </a:spcAft>
+              <a:buClr>
+                <a:schemeClr val="lt1"/>
+              </a:buClr>
+              <a:buSzPts val="1400"/>
+              <a:buFont typeface="Arial"/>
+              <a:buNone/>
+            </a:pPr>
+            <a:r>
+              <a:rPr lang="en-US" sz="1400" b="0" i="0" u="none" strike="noStrike" cap="none">
+                <a:solidFill>
+                  <a:schemeClr val="lt1"/>
+                </a:solidFill>
+                <a:latin typeface="Arial"/>
+                <a:ea typeface="Arial"/>
+                <a:cs typeface="Arial"/>
+                <a:sym typeface="Arial"/>
+              </a:rPr>
+              <a:t>Data</a:t>
+            </a:r>
+            <a:endParaRPr/>
+          </a:p>
+        </p:txBody>
+      </p:sp>
+      <p:sp>
+        <p:nvSpPr>
+          <p:cNvPr id="82" name="Google Shape;143;p14">
+            <a:extLst>
+              <a:ext uri="{FF2B5EF4-FFF2-40B4-BE49-F238E27FC236}">
+                <a16:creationId xmlns:a16="http://schemas.microsoft.com/office/drawing/2014/main" id="{F89C373D-1267-0F45-834B-A0CE337FCA2B}"/>
+              </a:ext>
+            </a:extLst>
+          </p:cNvPr>
+          <p:cNvSpPr/>
+          <p:nvPr/>
+        </p:nvSpPr>
+        <p:spPr>
+          <a:xfrm>
+            <a:off x="1416134" y="1061672"/>
+            <a:ext cx="478898" cy="324196"/>
+          </a:xfrm>
+          <a:prstGeom prst="rect">
+            <a:avLst/>
+          </a:prstGeom>
+          <a:solidFill>
+            <a:schemeClr val="accent1"/>
+          </a:solidFill>
+          <a:ln w="25400" cap="flat" cmpd="sng">
+            <a:solidFill>
+              <a:srgbClr val="AE4E00"/>
+            </a:solidFill>
+            <a:prstDash val="solid"/>
+            <a:round/>
+            <a:headEnd type="none" w="sm" len="sm"/>
+            <a:tailEnd type="none" w="sm" len="sm"/>
+          </a:ln>
+        </p:spPr>
+        <p:txBody>
+          <a:bodyPr spcFirstLastPara="1" wrap="square" lIns="91425" tIns="45700" rIns="91425" bIns="45700" anchor="ctr" anchorCtr="0">
+            <a:noAutofit/>
+          </a:bodyPr>
+          <a:lstStyle/>
+          <a:p>
+            <a:pPr marL="0" marR="0" lvl="0" indent="0" algn="ctr" rtl="0">
+              <a:lnSpc>
+                <a:spcPct val="100000"/>
+              </a:lnSpc>
+              <a:spcBef>
+                <a:spcPts val="0"/>
+              </a:spcBef>
+              <a:spcAft>
+                <a:spcPts val="0"/>
+              </a:spcAft>
+              <a:buClr>
+                <a:schemeClr val="lt1"/>
+              </a:buClr>
+              <a:buSzPts val="1400"/>
+              <a:buFont typeface="Arial"/>
+              <a:buNone/>
+            </a:pPr>
+            <a:r>
+              <a:rPr lang="en-US" sz="1400" b="0" i="0" u="none" strike="noStrike" cap="none">
+                <a:solidFill>
+                  <a:schemeClr val="lt1"/>
+                </a:solidFill>
+                <a:latin typeface="Arial"/>
+                <a:ea typeface="Arial"/>
+                <a:cs typeface="Arial"/>
+                <a:sym typeface="Arial"/>
+              </a:rPr>
+              <a:t>D</a:t>
+            </a:r>
+            <a:r>
+              <a:rPr lang="en-US" sz="1400" b="0" i="0" u="none" strike="noStrike" cap="none" baseline="-25000">
+                <a:solidFill>
+                  <a:schemeClr val="lt1"/>
+                </a:solidFill>
+                <a:latin typeface="Arial"/>
+                <a:ea typeface="Arial"/>
+                <a:cs typeface="Arial"/>
+                <a:sym typeface="Arial"/>
+              </a:rPr>
+              <a:t>1</a:t>
+            </a:r>
+            <a:endParaRPr/>
+          </a:p>
+        </p:txBody>
+      </p:sp>
+      <p:sp>
+        <p:nvSpPr>
+          <p:cNvPr id="83" name="Google Shape;144;p14">
+            <a:extLst>
+              <a:ext uri="{FF2B5EF4-FFF2-40B4-BE49-F238E27FC236}">
+                <a16:creationId xmlns:a16="http://schemas.microsoft.com/office/drawing/2014/main" id="{1CC55D3A-56FB-3D45-8268-17743FFA3F79}"/>
+              </a:ext>
+            </a:extLst>
+          </p:cNvPr>
+          <p:cNvSpPr/>
+          <p:nvPr/>
+        </p:nvSpPr>
+        <p:spPr>
+          <a:xfrm>
+            <a:off x="2052057" y="1061672"/>
+            <a:ext cx="478898" cy="324196"/>
+          </a:xfrm>
+          <a:prstGeom prst="rect">
+            <a:avLst/>
+          </a:prstGeom>
+          <a:solidFill>
+            <a:schemeClr val="accent1"/>
+          </a:solidFill>
+          <a:ln w="25400" cap="flat" cmpd="sng">
+            <a:solidFill>
+              <a:srgbClr val="AE4E00"/>
+            </a:solidFill>
+            <a:prstDash val="solid"/>
+            <a:round/>
+            <a:headEnd type="none" w="sm" len="sm"/>
+            <a:tailEnd type="none" w="sm" len="sm"/>
+          </a:ln>
+        </p:spPr>
+        <p:txBody>
+          <a:bodyPr spcFirstLastPara="1" wrap="square" lIns="91425" tIns="45700" rIns="91425" bIns="45700" anchor="ctr" anchorCtr="0">
+            <a:noAutofit/>
+          </a:bodyPr>
+          <a:lstStyle/>
+          <a:p>
+            <a:pPr marL="0" marR="0" lvl="0" indent="0" algn="ctr" rtl="0">
+              <a:lnSpc>
+                <a:spcPct val="100000"/>
+              </a:lnSpc>
+              <a:spcBef>
+                <a:spcPts val="0"/>
+              </a:spcBef>
+              <a:spcAft>
+                <a:spcPts val="0"/>
+              </a:spcAft>
+              <a:buClr>
+                <a:schemeClr val="lt1"/>
+              </a:buClr>
+              <a:buSzPts val="1400"/>
+              <a:buFont typeface="Arial"/>
+              <a:buNone/>
+            </a:pPr>
+            <a:r>
+              <a:rPr lang="en-US" sz="1400" b="0" i="0" u="none" strike="noStrike" cap="none">
+                <a:solidFill>
+                  <a:schemeClr val="lt1"/>
+                </a:solidFill>
+                <a:latin typeface="Arial"/>
+                <a:ea typeface="Arial"/>
+                <a:cs typeface="Arial"/>
+                <a:sym typeface="Arial"/>
+              </a:rPr>
+              <a:t>D</a:t>
+            </a:r>
+            <a:r>
+              <a:rPr lang="en-US" sz="1400" b="0" i="0" u="none" strike="noStrike" cap="none" baseline="-25000">
+                <a:solidFill>
+                  <a:schemeClr val="lt1"/>
+                </a:solidFill>
+                <a:latin typeface="Arial"/>
+                <a:ea typeface="Arial"/>
+                <a:cs typeface="Arial"/>
+                <a:sym typeface="Arial"/>
+              </a:rPr>
+              <a:t>2</a:t>
+            </a:r>
+            <a:endParaRPr/>
+          </a:p>
+        </p:txBody>
+      </p:sp>
+      <p:sp>
+        <p:nvSpPr>
+          <p:cNvPr id="84" name="Google Shape;145;p14">
+            <a:extLst>
+              <a:ext uri="{FF2B5EF4-FFF2-40B4-BE49-F238E27FC236}">
+                <a16:creationId xmlns:a16="http://schemas.microsoft.com/office/drawing/2014/main" id="{DE4076A7-4B2F-BE4A-9C0B-06CEE353F864}"/>
+              </a:ext>
+            </a:extLst>
+          </p:cNvPr>
+          <p:cNvSpPr/>
+          <p:nvPr/>
+        </p:nvSpPr>
+        <p:spPr>
+          <a:xfrm>
+            <a:off x="3168733" y="1067194"/>
+            <a:ext cx="478898" cy="324196"/>
+          </a:xfrm>
+          <a:prstGeom prst="rect">
+            <a:avLst/>
+          </a:prstGeom>
+          <a:solidFill>
+            <a:schemeClr val="accent1"/>
+          </a:solidFill>
+          <a:ln w="25400" cap="flat" cmpd="sng">
+            <a:solidFill>
+              <a:srgbClr val="AE4E00"/>
+            </a:solidFill>
+            <a:prstDash val="solid"/>
+            <a:round/>
+            <a:headEnd type="none" w="sm" len="sm"/>
+            <a:tailEnd type="none" w="sm" len="sm"/>
+          </a:ln>
+        </p:spPr>
+        <p:txBody>
+          <a:bodyPr spcFirstLastPara="1" wrap="square" lIns="91425" tIns="45700" rIns="91425" bIns="45700" anchor="ctr" anchorCtr="0">
+            <a:noAutofit/>
+          </a:bodyPr>
+          <a:lstStyle/>
+          <a:p>
+            <a:pPr marL="0" marR="0" lvl="0" indent="0" algn="ctr" rtl="0">
+              <a:lnSpc>
+                <a:spcPct val="100000"/>
+              </a:lnSpc>
+              <a:spcBef>
+                <a:spcPts val="0"/>
+              </a:spcBef>
+              <a:spcAft>
+                <a:spcPts val="0"/>
+              </a:spcAft>
+              <a:buClr>
+                <a:schemeClr val="lt1"/>
+              </a:buClr>
+              <a:buSzPts val="1400"/>
+              <a:buFont typeface="Arial"/>
+              <a:buNone/>
+            </a:pPr>
+            <a:r>
+              <a:rPr lang="en-US" sz="1400" b="0" i="0" u="none" strike="noStrike" cap="none">
+                <a:solidFill>
+                  <a:schemeClr val="lt1"/>
+                </a:solidFill>
+                <a:latin typeface="Arial"/>
+                <a:ea typeface="Arial"/>
+                <a:cs typeface="Arial"/>
+                <a:sym typeface="Arial"/>
+              </a:rPr>
+              <a:t>D</a:t>
+            </a:r>
+            <a:r>
+              <a:rPr lang="en-US" sz="1400" b="0" i="0" u="none" strike="noStrike" cap="none" baseline="-25000">
+                <a:solidFill>
+                  <a:schemeClr val="lt1"/>
+                </a:solidFill>
+                <a:latin typeface="Arial"/>
+                <a:ea typeface="Arial"/>
+                <a:cs typeface="Arial"/>
+                <a:sym typeface="Arial"/>
+              </a:rPr>
+              <a:t>k</a:t>
+            </a:r>
+            <a:endParaRPr/>
+          </a:p>
+        </p:txBody>
+      </p:sp>
+      <p:sp>
+        <p:nvSpPr>
+          <p:cNvPr id="85" name="Google Shape;146;p14">
+            <a:extLst>
+              <a:ext uri="{FF2B5EF4-FFF2-40B4-BE49-F238E27FC236}">
+                <a16:creationId xmlns:a16="http://schemas.microsoft.com/office/drawing/2014/main" id="{0038E50E-4FFF-AF4C-BC02-389304B42805}"/>
+              </a:ext>
+            </a:extLst>
+          </p:cNvPr>
+          <p:cNvSpPr/>
+          <p:nvPr/>
+        </p:nvSpPr>
+        <p:spPr>
+          <a:xfrm>
+            <a:off x="1703734" y="1707274"/>
+            <a:ext cx="1722205" cy="576368"/>
+          </a:xfrm>
+          <a:prstGeom prst="ellipse">
+            <a:avLst/>
+          </a:prstGeom>
+          <a:solidFill>
+            <a:schemeClr val="tx1">
+              <a:lumMod val="50000"/>
+            </a:schemeClr>
+          </a:solidFill>
+          <a:ln w="25400" cap="flat" cmpd="sng">
+            <a:solidFill>
+              <a:schemeClr val="accent2">
+                <a:lumMod val="75000"/>
+              </a:schemeClr>
+            </a:solidFill>
+            <a:prstDash val="solid"/>
+            <a:round/>
+            <a:headEnd type="none" w="sm" len="sm"/>
+            <a:tailEnd type="none" w="sm" len="sm"/>
+          </a:ln>
+        </p:spPr>
+        <p:txBody>
+          <a:bodyPr spcFirstLastPara="1" wrap="square" lIns="91425" tIns="45700" rIns="91425" bIns="45700" anchor="ctr" anchorCtr="0">
+            <a:noAutofit/>
+          </a:bodyPr>
+          <a:lstStyle/>
+          <a:p>
+            <a:pPr marL="0" marR="0" lvl="0" indent="0" algn="ctr" rtl="0">
+              <a:lnSpc>
+                <a:spcPct val="100000"/>
+              </a:lnSpc>
+              <a:spcBef>
+                <a:spcPts val="0"/>
+              </a:spcBef>
+              <a:spcAft>
+                <a:spcPts val="0"/>
+              </a:spcAft>
+              <a:buClr>
+                <a:schemeClr val="lt1"/>
+              </a:buClr>
+              <a:buSzPts val="1400"/>
+              <a:buFont typeface="Arial"/>
+              <a:buNone/>
+            </a:pPr>
+            <a:r>
+              <a:rPr lang="en-US" sz="1400" b="0" i="0" u="none" strike="noStrike" cap="none">
+                <a:solidFill>
+                  <a:schemeClr val="lt1"/>
+                </a:solidFill>
+                <a:latin typeface="Arial"/>
+                <a:ea typeface="Arial"/>
+                <a:cs typeface="Arial"/>
+                <a:sym typeface="Arial"/>
+              </a:rPr>
+              <a:t>Averaging</a:t>
+            </a:r>
+            <a:endParaRPr/>
+          </a:p>
+        </p:txBody>
+      </p:sp>
+      <p:cxnSp>
+        <p:nvCxnSpPr>
+          <p:cNvPr id="87" name="Google Shape;147;p14">
+            <a:extLst>
+              <a:ext uri="{FF2B5EF4-FFF2-40B4-BE49-F238E27FC236}">
+                <a16:creationId xmlns:a16="http://schemas.microsoft.com/office/drawing/2014/main" id="{A3CBA541-CBCA-2B4C-AE35-60EEC6BA7E6A}"/>
+              </a:ext>
+            </a:extLst>
+          </p:cNvPr>
+          <p:cNvCxnSpPr>
+            <a:stCxn id="81" idx="3"/>
+            <a:endCxn id="82" idx="0"/>
+          </p:cNvCxnSpPr>
+          <p:nvPr/>
+        </p:nvCxnSpPr>
+        <p:spPr>
+          <a:xfrm flipH="1">
+            <a:off x="1655583" y="720850"/>
+            <a:ext cx="1003297" cy="340822"/>
+          </a:xfrm>
+          <a:prstGeom prst="straightConnector1">
+            <a:avLst/>
+          </a:prstGeom>
+          <a:noFill/>
+          <a:ln w="12700" cap="flat" cmpd="sng">
+            <a:solidFill>
+              <a:srgbClr val="EE6800"/>
+            </a:solidFill>
+            <a:prstDash val="solid"/>
+            <a:round/>
+            <a:headEnd type="none" w="sm" len="sm"/>
+            <a:tailEnd type="triangle" w="med" len="med"/>
+          </a:ln>
+        </p:spPr>
+      </p:cxnSp>
+      <p:cxnSp>
+        <p:nvCxnSpPr>
+          <p:cNvPr id="88" name="Google Shape;148;p14">
+            <a:extLst>
+              <a:ext uri="{FF2B5EF4-FFF2-40B4-BE49-F238E27FC236}">
+                <a16:creationId xmlns:a16="http://schemas.microsoft.com/office/drawing/2014/main" id="{464C0E88-0CF2-DE4B-B157-342C2F1A2C7D}"/>
+              </a:ext>
+            </a:extLst>
+          </p:cNvPr>
+          <p:cNvCxnSpPr>
+            <a:stCxn id="81" idx="3"/>
+            <a:endCxn id="83" idx="0"/>
+          </p:cNvCxnSpPr>
+          <p:nvPr/>
+        </p:nvCxnSpPr>
+        <p:spPr>
+          <a:xfrm flipH="1">
+            <a:off x="2291506" y="720850"/>
+            <a:ext cx="367374" cy="340822"/>
+          </a:xfrm>
+          <a:prstGeom prst="straightConnector1">
+            <a:avLst/>
+          </a:prstGeom>
+          <a:noFill/>
+          <a:ln w="12700" cap="flat" cmpd="sng">
+            <a:solidFill>
+              <a:srgbClr val="EE6800"/>
+            </a:solidFill>
+            <a:prstDash val="solid"/>
+            <a:round/>
+            <a:headEnd type="none" w="sm" len="sm"/>
+            <a:tailEnd type="triangle" w="med" len="med"/>
+          </a:ln>
+        </p:spPr>
+      </p:cxnSp>
+      <p:cxnSp>
+        <p:nvCxnSpPr>
+          <p:cNvPr id="89" name="Google Shape;149;p14">
+            <a:extLst>
+              <a:ext uri="{FF2B5EF4-FFF2-40B4-BE49-F238E27FC236}">
+                <a16:creationId xmlns:a16="http://schemas.microsoft.com/office/drawing/2014/main" id="{0595B3C4-B5EA-A04C-B80B-CECE9AD6F4A0}"/>
+              </a:ext>
+            </a:extLst>
+          </p:cNvPr>
+          <p:cNvCxnSpPr>
+            <a:stCxn id="81" idx="3"/>
+            <a:endCxn id="84" idx="0"/>
+          </p:cNvCxnSpPr>
+          <p:nvPr/>
+        </p:nvCxnSpPr>
+        <p:spPr>
+          <a:xfrm>
+            <a:off x="2658880" y="720850"/>
+            <a:ext cx="749302" cy="346344"/>
+          </a:xfrm>
+          <a:prstGeom prst="straightConnector1">
+            <a:avLst/>
+          </a:prstGeom>
+          <a:noFill/>
+          <a:ln w="12700" cap="flat" cmpd="sng">
+            <a:solidFill>
+              <a:srgbClr val="EE6800"/>
+            </a:solidFill>
+            <a:prstDash val="solid"/>
+            <a:round/>
+            <a:headEnd type="none" w="sm" len="sm"/>
+            <a:tailEnd type="triangle" w="med" len="med"/>
+          </a:ln>
+        </p:spPr>
+      </p:cxnSp>
+      <p:pic>
+        <p:nvPicPr>
+          <p:cNvPr id="90" name="Google Shape;150;p14" descr="Image result for Ellipsis">
+            <a:extLst>
+              <a:ext uri="{FF2B5EF4-FFF2-40B4-BE49-F238E27FC236}">
+                <a16:creationId xmlns:a16="http://schemas.microsoft.com/office/drawing/2014/main" id="{A65C1F2D-E7F6-5F47-9143-C135A1B24A29}"/>
+              </a:ext>
+            </a:extLst>
+          </p:cNvPr>
+          <p:cNvPicPr preferRelativeResize="0"/>
+          <p:nvPr/>
+        </p:nvPicPr>
+        <p:blipFill rotWithShape="1">
+          <a:blip r:embed="rId2">
+            <a:alphaModFix/>
+          </a:blip>
+          <a:srcRect/>
+          <a:stretch/>
+        </p:blipFill>
+        <p:spPr>
+          <a:xfrm>
+            <a:off x="2586151" y="953606"/>
+            <a:ext cx="518151" cy="548640"/>
+          </a:xfrm>
+          <a:prstGeom prst="rect">
+            <a:avLst/>
+          </a:prstGeom>
+          <a:noFill/>
+          <a:ln>
+            <a:noFill/>
+          </a:ln>
+        </p:spPr>
+      </p:pic>
+      <p:cxnSp>
+        <p:nvCxnSpPr>
+          <p:cNvPr id="91" name="Google Shape;151;p14">
+            <a:extLst>
+              <a:ext uri="{FF2B5EF4-FFF2-40B4-BE49-F238E27FC236}">
+                <a16:creationId xmlns:a16="http://schemas.microsoft.com/office/drawing/2014/main" id="{8A5D13BF-3A4E-C044-8926-0E901D8B8397}"/>
+              </a:ext>
+            </a:extLst>
+          </p:cNvPr>
+          <p:cNvCxnSpPr>
+            <a:cxnSpLocks/>
+            <a:stCxn id="82" idx="2"/>
+            <a:endCxn id="85" idx="0"/>
+          </p:cNvCxnSpPr>
+          <p:nvPr/>
+        </p:nvCxnSpPr>
+        <p:spPr>
+          <a:xfrm>
+            <a:off x="1655583" y="1385868"/>
+            <a:ext cx="909254" cy="321406"/>
+          </a:xfrm>
+          <a:prstGeom prst="straightConnector1">
+            <a:avLst/>
+          </a:prstGeom>
+          <a:noFill/>
+          <a:ln w="12700" cap="flat" cmpd="sng">
+            <a:solidFill>
+              <a:srgbClr val="EE6800"/>
+            </a:solidFill>
+            <a:prstDash val="solid"/>
+            <a:round/>
+            <a:headEnd type="none" w="sm" len="sm"/>
+            <a:tailEnd type="triangle" w="med" len="med"/>
+          </a:ln>
+        </p:spPr>
+      </p:cxnSp>
+      <p:cxnSp>
+        <p:nvCxnSpPr>
+          <p:cNvPr id="93" name="Google Shape;152;p14">
+            <a:extLst>
+              <a:ext uri="{FF2B5EF4-FFF2-40B4-BE49-F238E27FC236}">
+                <a16:creationId xmlns:a16="http://schemas.microsoft.com/office/drawing/2014/main" id="{79EB65A3-BA33-DA46-9812-3916D496C1DE}"/>
+              </a:ext>
+            </a:extLst>
+          </p:cNvPr>
+          <p:cNvCxnSpPr>
+            <a:cxnSpLocks/>
+            <a:stCxn id="83" idx="2"/>
+            <a:endCxn id="85" idx="0"/>
+          </p:cNvCxnSpPr>
+          <p:nvPr/>
+        </p:nvCxnSpPr>
+        <p:spPr>
+          <a:xfrm>
+            <a:off x="2291506" y="1385868"/>
+            <a:ext cx="273331" cy="321406"/>
+          </a:xfrm>
+          <a:prstGeom prst="straightConnector1">
+            <a:avLst/>
+          </a:prstGeom>
+          <a:noFill/>
+          <a:ln w="12700" cap="flat" cmpd="sng">
+            <a:solidFill>
+              <a:srgbClr val="EE6800"/>
+            </a:solidFill>
+            <a:prstDash val="solid"/>
+            <a:round/>
+            <a:headEnd type="none" w="sm" len="sm"/>
+            <a:tailEnd type="triangle" w="med" len="med"/>
+          </a:ln>
+        </p:spPr>
+      </p:cxnSp>
+      <p:cxnSp>
+        <p:nvCxnSpPr>
+          <p:cNvPr id="94" name="Google Shape;153;p14">
+            <a:extLst>
+              <a:ext uri="{FF2B5EF4-FFF2-40B4-BE49-F238E27FC236}">
+                <a16:creationId xmlns:a16="http://schemas.microsoft.com/office/drawing/2014/main" id="{150329FE-D657-EC4A-82A6-13A0ACAFF768}"/>
+              </a:ext>
+            </a:extLst>
+          </p:cNvPr>
+          <p:cNvCxnSpPr>
+            <a:cxnSpLocks/>
+            <a:stCxn id="84" idx="2"/>
+            <a:endCxn id="85" idx="0"/>
+          </p:cNvCxnSpPr>
+          <p:nvPr/>
+        </p:nvCxnSpPr>
+        <p:spPr>
+          <a:xfrm flipH="1">
+            <a:off x="2564837" y="1391390"/>
+            <a:ext cx="843345" cy="315884"/>
+          </a:xfrm>
+          <a:prstGeom prst="straightConnector1">
+            <a:avLst/>
+          </a:prstGeom>
+          <a:noFill/>
+          <a:ln w="12700" cap="flat" cmpd="sng">
+            <a:solidFill>
+              <a:srgbClr val="EE6800"/>
+            </a:solidFill>
+            <a:prstDash val="solid"/>
+            <a:round/>
+            <a:headEnd type="none" w="sm" len="sm"/>
+            <a:tailEnd type="triangle" w="med" len="med"/>
+          </a:ln>
+        </p:spPr>
+      </p:cxnSp>
+      <p:sp>
+        <p:nvSpPr>
+          <p:cNvPr id="95" name="Google Shape;154;p14">
+            <a:extLst>
+              <a:ext uri="{FF2B5EF4-FFF2-40B4-BE49-F238E27FC236}">
+                <a16:creationId xmlns:a16="http://schemas.microsoft.com/office/drawing/2014/main" id="{BBDD5CA1-6BCF-4D41-B802-204A43A1B6AD}"/>
+              </a:ext>
+            </a:extLst>
+          </p:cNvPr>
+          <p:cNvSpPr/>
+          <p:nvPr/>
+        </p:nvSpPr>
+        <p:spPr>
+          <a:xfrm>
+            <a:off x="1351002" y="99535"/>
+            <a:ext cx="2387248" cy="2335877"/>
+          </a:xfrm>
+          <a:prstGeom prst="rect">
+            <a:avLst/>
+          </a:prstGeom>
+          <a:noFill/>
+          <a:ln w="25400" cap="flat" cmpd="sng">
+            <a:solidFill>
+              <a:srgbClr val="AE4E00"/>
+            </a:solidFill>
+            <a:prstDash val="dot"/>
+            <a:round/>
+            <a:headEnd type="none" w="sm" len="sm"/>
+            <a:tailEnd type="none" w="sm" len="sm"/>
+          </a:ln>
+        </p:spPr>
+        <p:txBody>
+          <a:bodyPr spcFirstLastPara="1" wrap="square" lIns="91425" tIns="45700" rIns="91425" bIns="45700" anchor="ctr" anchorCtr="0">
+            <a:noAutofit/>
+          </a:bodyPr>
+          <a:lstStyle/>
+          <a:p>
+            <a:pPr marL="0" marR="0" lvl="0" indent="0" algn="ctr" rtl="0">
+              <a:lnSpc>
+                <a:spcPct val="100000"/>
+              </a:lnSpc>
+              <a:spcBef>
+                <a:spcPts val="0"/>
+              </a:spcBef>
+              <a:spcAft>
+                <a:spcPts val="0"/>
+              </a:spcAft>
+              <a:buClr>
+                <a:srgbClr val="000000"/>
+              </a:buClr>
+              <a:buSzPts val="1400"/>
+              <a:buFont typeface="Arial"/>
+              <a:buNone/>
+            </a:pPr>
+            <a:endParaRPr sz="1400" b="0" i="0" u="none" strike="noStrike" cap="none">
+              <a:solidFill>
+                <a:schemeClr val="lt1"/>
+              </a:solidFill>
+              <a:latin typeface="Arial"/>
+              <a:ea typeface="Arial"/>
+              <a:cs typeface="Arial"/>
+              <a:sym typeface="Arial"/>
+            </a:endParaRPr>
+          </a:p>
+        </p:txBody>
+      </p:sp>
+      <p:sp>
+        <p:nvSpPr>
+          <p:cNvPr id="96" name="Google Shape;156;p14">
+            <a:extLst>
+              <a:ext uri="{FF2B5EF4-FFF2-40B4-BE49-F238E27FC236}">
+                <a16:creationId xmlns:a16="http://schemas.microsoft.com/office/drawing/2014/main" id="{89EBE96A-D811-764D-8621-04338D25016E}"/>
+              </a:ext>
+            </a:extLst>
+          </p:cNvPr>
+          <p:cNvSpPr/>
+          <p:nvPr/>
+        </p:nvSpPr>
+        <p:spPr>
+          <a:xfrm>
+            <a:off x="4994027" y="313526"/>
+            <a:ext cx="706570" cy="407324"/>
+          </a:xfrm>
+          <a:prstGeom prst="can">
+            <a:avLst>
+              <a:gd name="adj" fmla="val 25000"/>
+            </a:avLst>
+          </a:prstGeom>
+          <a:solidFill>
+            <a:schemeClr val="accent1"/>
+          </a:solidFill>
+          <a:ln w="25400" cap="flat" cmpd="sng">
+            <a:solidFill>
+              <a:srgbClr val="AE4E00"/>
+            </a:solidFill>
+            <a:prstDash val="solid"/>
+            <a:round/>
+            <a:headEnd type="none" w="sm" len="sm"/>
+            <a:tailEnd type="none" w="sm" len="sm"/>
+          </a:ln>
+        </p:spPr>
+        <p:txBody>
+          <a:bodyPr spcFirstLastPara="1" wrap="square" lIns="91425" tIns="45700" rIns="91425" bIns="45700" anchor="ctr" anchorCtr="0">
+            <a:noAutofit/>
+          </a:bodyPr>
+          <a:lstStyle/>
+          <a:p>
+            <a:pPr marL="0" marR="0" lvl="0" indent="0" algn="ctr" rtl="0">
+              <a:lnSpc>
+                <a:spcPct val="100000"/>
+              </a:lnSpc>
+              <a:spcBef>
+                <a:spcPts val="0"/>
+              </a:spcBef>
+              <a:spcAft>
+                <a:spcPts val="0"/>
+              </a:spcAft>
+              <a:buClr>
+                <a:schemeClr val="lt1"/>
+              </a:buClr>
+              <a:buSzPts val="1400"/>
+              <a:buFont typeface="Arial"/>
+              <a:buNone/>
+            </a:pPr>
+            <a:r>
+              <a:rPr lang="en-US" sz="1400" b="0" i="0" u="none" strike="noStrike" cap="none" dirty="0">
+                <a:solidFill>
+                  <a:schemeClr val="lt1"/>
+                </a:solidFill>
+                <a:latin typeface="Arial"/>
+                <a:ea typeface="Arial"/>
+                <a:cs typeface="Arial"/>
+                <a:sym typeface="Arial"/>
+              </a:rPr>
+              <a:t>Scores</a:t>
+            </a:r>
+            <a:endParaRPr dirty="0"/>
+          </a:p>
+        </p:txBody>
+      </p:sp>
+      <p:sp>
+        <p:nvSpPr>
+          <p:cNvPr id="97" name="Google Shape;157;p14">
+            <a:extLst>
+              <a:ext uri="{FF2B5EF4-FFF2-40B4-BE49-F238E27FC236}">
+                <a16:creationId xmlns:a16="http://schemas.microsoft.com/office/drawing/2014/main" id="{EC904FF8-63E8-124E-BF17-17CEAD290E23}"/>
+              </a:ext>
+            </a:extLst>
+          </p:cNvPr>
+          <p:cNvSpPr/>
+          <p:nvPr/>
+        </p:nvSpPr>
+        <p:spPr>
+          <a:xfrm>
+            <a:off x="4104566" y="1061672"/>
+            <a:ext cx="478898" cy="324196"/>
+          </a:xfrm>
+          <a:prstGeom prst="rect">
+            <a:avLst/>
+          </a:prstGeom>
+          <a:solidFill>
+            <a:schemeClr val="accent1"/>
+          </a:solidFill>
+          <a:ln w="25400" cap="flat" cmpd="sng">
+            <a:solidFill>
+              <a:srgbClr val="AE4E00"/>
+            </a:solidFill>
+            <a:prstDash val="solid"/>
+            <a:round/>
+            <a:headEnd type="none" w="sm" len="sm"/>
+            <a:tailEnd type="none" w="sm" len="sm"/>
+          </a:ln>
+        </p:spPr>
+        <p:txBody>
+          <a:bodyPr spcFirstLastPara="1" wrap="square" lIns="91425" tIns="45700" rIns="91425" bIns="45700" anchor="ctr" anchorCtr="0">
+            <a:noAutofit/>
+          </a:bodyPr>
+          <a:lstStyle/>
+          <a:p>
+            <a:pPr marL="0" marR="0" lvl="0" indent="0" algn="ctr" rtl="0">
+              <a:lnSpc>
+                <a:spcPct val="100000"/>
+              </a:lnSpc>
+              <a:spcBef>
+                <a:spcPts val="0"/>
+              </a:spcBef>
+              <a:spcAft>
+                <a:spcPts val="0"/>
+              </a:spcAft>
+              <a:buClr>
+                <a:schemeClr val="lt1"/>
+              </a:buClr>
+              <a:buSzPts val="1400"/>
+              <a:buFont typeface="Arial"/>
+              <a:buNone/>
+            </a:pPr>
+            <a:r>
+              <a:rPr lang="en-US" altLang="zh-CN" sz="1400" b="0" i="0" u="none" strike="noStrike" cap="none" dirty="0">
+                <a:solidFill>
+                  <a:schemeClr val="lt1"/>
+                </a:solidFill>
+                <a:latin typeface="Arial"/>
+                <a:ea typeface="Arial"/>
+                <a:cs typeface="Arial"/>
+                <a:sym typeface="Arial"/>
+              </a:rPr>
+              <a:t>D</a:t>
+            </a:r>
+            <a:r>
+              <a:rPr lang="en-US" sz="1400" b="0" i="0" u="none" strike="noStrike" cap="none" baseline="-25000" dirty="0">
+                <a:solidFill>
+                  <a:schemeClr val="lt1"/>
+                </a:solidFill>
+                <a:latin typeface="Arial"/>
+                <a:ea typeface="Arial"/>
+                <a:cs typeface="Arial"/>
+                <a:sym typeface="Arial"/>
+              </a:rPr>
+              <a:t>1</a:t>
+            </a:r>
+            <a:endParaRPr dirty="0"/>
+          </a:p>
+        </p:txBody>
+      </p:sp>
+      <p:sp>
+        <p:nvSpPr>
+          <p:cNvPr id="100" name="Google Shape;158;p14">
+            <a:extLst>
+              <a:ext uri="{FF2B5EF4-FFF2-40B4-BE49-F238E27FC236}">
+                <a16:creationId xmlns:a16="http://schemas.microsoft.com/office/drawing/2014/main" id="{115381E8-82A7-464A-9B94-5F3B03E01A01}"/>
+              </a:ext>
+            </a:extLst>
+          </p:cNvPr>
+          <p:cNvSpPr/>
+          <p:nvPr/>
+        </p:nvSpPr>
+        <p:spPr>
+          <a:xfrm>
+            <a:off x="4740489" y="1061672"/>
+            <a:ext cx="478898" cy="324196"/>
+          </a:xfrm>
+          <a:prstGeom prst="rect">
+            <a:avLst/>
+          </a:prstGeom>
+          <a:solidFill>
+            <a:schemeClr val="accent1"/>
+          </a:solidFill>
+          <a:ln w="25400" cap="flat" cmpd="sng">
+            <a:solidFill>
+              <a:srgbClr val="AE4E00"/>
+            </a:solidFill>
+            <a:prstDash val="solid"/>
+            <a:round/>
+            <a:headEnd type="none" w="sm" len="sm"/>
+            <a:tailEnd type="none" w="sm" len="sm"/>
+          </a:ln>
+        </p:spPr>
+        <p:txBody>
+          <a:bodyPr spcFirstLastPara="1" wrap="square" lIns="91425" tIns="45700" rIns="91425" bIns="45700" anchor="ctr" anchorCtr="0">
+            <a:noAutofit/>
+          </a:bodyPr>
+          <a:lstStyle/>
+          <a:p>
+            <a:pPr algn="ctr">
+              <a:buClr>
+                <a:schemeClr val="lt1"/>
+              </a:buClr>
+              <a:buSzPts val="1400"/>
+            </a:pPr>
+            <a:r>
+              <a:rPr lang="en-US" altLang="zh-CN" dirty="0">
+                <a:solidFill>
+                  <a:schemeClr val="lt1"/>
+                </a:solidFill>
+              </a:rPr>
+              <a:t>D</a:t>
+            </a:r>
+            <a:r>
+              <a:rPr lang="en-US" baseline="-25000" dirty="0">
+                <a:solidFill>
+                  <a:schemeClr val="lt1"/>
+                </a:solidFill>
+              </a:rPr>
+              <a:t>2</a:t>
+            </a:r>
+            <a:endParaRPr lang="en-US" dirty="0"/>
+          </a:p>
+        </p:txBody>
+      </p:sp>
+      <p:sp>
+        <p:nvSpPr>
+          <p:cNvPr id="102" name="Google Shape;159;p14">
+            <a:extLst>
+              <a:ext uri="{FF2B5EF4-FFF2-40B4-BE49-F238E27FC236}">
+                <a16:creationId xmlns:a16="http://schemas.microsoft.com/office/drawing/2014/main" id="{662EA054-EB2A-EF4F-9F6E-63F862C137C8}"/>
+              </a:ext>
+            </a:extLst>
+          </p:cNvPr>
+          <p:cNvSpPr/>
+          <p:nvPr/>
+        </p:nvSpPr>
+        <p:spPr>
+          <a:xfrm>
+            <a:off x="5857165" y="1067194"/>
+            <a:ext cx="478898" cy="324196"/>
+          </a:xfrm>
+          <a:prstGeom prst="rect">
+            <a:avLst/>
+          </a:prstGeom>
+          <a:solidFill>
+            <a:schemeClr val="accent1"/>
+          </a:solidFill>
+          <a:ln w="25400" cap="flat" cmpd="sng">
+            <a:solidFill>
+              <a:srgbClr val="AE4E00"/>
+            </a:solidFill>
+            <a:prstDash val="solid"/>
+            <a:round/>
+            <a:headEnd type="none" w="sm" len="sm"/>
+            <a:tailEnd type="none" w="sm" len="sm"/>
+          </a:ln>
+        </p:spPr>
+        <p:txBody>
+          <a:bodyPr spcFirstLastPara="1" wrap="square" lIns="91425" tIns="45700" rIns="91425" bIns="45700" anchor="ctr" anchorCtr="0">
+            <a:noAutofit/>
+          </a:bodyPr>
+          <a:lstStyle/>
+          <a:p>
+            <a:pPr algn="ctr">
+              <a:buClr>
+                <a:schemeClr val="lt1"/>
+              </a:buClr>
+              <a:buSzPts val="1400"/>
+            </a:pPr>
+            <a:r>
+              <a:rPr lang="en-US" altLang="zh-CN" dirty="0">
+                <a:solidFill>
+                  <a:schemeClr val="lt1"/>
+                </a:solidFill>
+              </a:rPr>
+              <a:t>D</a:t>
+            </a:r>
+            <a:r>
+              <a:rPr lang="en-US" baseline="-25000" dirty="0">
+                <a:solidFill>
+                  <a:schemeClr val="lt1"/>
+                </a:solidFill>
+              </a:rPr>
+              <a:t>k</a:t>
+            </a:r>
+            <a:endParaRPr lang="en-US" dirty="0"/>
+          </a:p>
+        </p:txBody>
+      </p:sp>
+      <p:sp>
+        <p:nvSpPr>
+          <p:cNvPr id="103" name="Google Shape;160;p14">
+            <a:extLst>
+              <a:ext uri="{FF2B5EF4-FFF2-40B4-BE49-F238E27FC236}">
+                <a16:creationId xmlns:a16="http://schemas.microsoft.com/office/drawing/2014/main" id="{BC5C5F5C-A154-224B-8070-F6B39B351802}"/>
+              </a:ext>
+            </a:extLst>
+          </p:cNvPr>
+          <p:cNvSpPr/>
+          <p:nvPr/>
+        </p:nvSpPr>
+        <p:spPr>
+          <a:xfrm>
+            <a:off x="4374173" y="1707274"/>
+            <a:ext cx="1740198" cy="576368"/>
+          </a:xfrm>
+          <a:prstGeom prst="ellipse">
+            <a:avLst/>
+          </a:prstGeom>
+          <a:solidFill>
+            <a:schemeClr val="tx1">
+              <a:lumMod val="50000"/>
+            </a:schemeClr>
+          </a:solidFill>
+          <a:ln w="25400" cap="flat" cmpd="sng">
+            <a:solidFill>
+              <a:schemeClr val="accent2">
+                <a:lumMod val="75000"/>
+              </a:schemeClr>
+            </a:solidFill>
+            <a:prstDash val="solid"/>
+            <a:round/>
+            <a:headEnd type="none" w="sm" len="sm"/>
+            <a:tailEnd type="none" w="sm" len="sm"/>
+          </a:ln>
+        </p:spPr>
+        <p:txBody>
+          <a:bodyPr spcFirstLastPara="1" wrap="square" lIns="91425" tIns="45700" rIns="91425" bIns="45700" anchor="ctr" anchorCtr="0">
+            <a:noAutofit/>
+          </a:bodyPr>
+          <a:lstStyle/>
+          <a:p>
+            <a:pPr marL="0" marR="0" lvl="0" indent="0" algn="ctr" rtl="0">
+              <a:lnSpc>
+                <a:spcPct val="100000"/>
+              </a:lnSpc>
+              <a:spcBef>
+                <a:spcPts val="0"/>
+              </a:spcBef>
+              <a:spcAft>
+                <a:spcPts val="0"/>
+              </a:spcAft>
+              <a:buClr>
+                <a:schemeClr val="lt1"/>
+              </a:buClr>
+              <a:buSzPts val="1400"/>
+              <a:buFont typeface="Arial"/>
+              <a:buNone/>
+            </a:pPr>
+            <a:r>
+              <a:rPr lang="en-US" altLang="zh-CN" sz="1400" b="0" i="0" u="none" strike="noStrike" cap="none" dirty="0">
+                <a:solidFill>
+                  <a:schemeClr val="lt1"/>
+                </a:solidFill>
+                <a:latin typeface="Arial"/>
+                <a:ea typeface="Arial"/>
+                <a:cs typeface="Arial"/>
+                <a:sym typeface="Arial"/>
+              </a:rPr>
+              <a:t>Majority</a:t>
+            </a:r>
+            <a:r>
+              <a:rPr lang="zh-CN" altLang="en-US" sz="1400" b="0" i="0" u="none" strike="noStrike" cap="none" dirty="0">
+                <a:solidFill>
+                  <a:schemeClr val="lt1"/>
+                </a:solidFill>
+                <a:latin typeface="Arial"/>
+                <a:ea typeface="Arial"/>
+                <a:cs typeface="Arial"/>
+                <a:sym typeface="Arial"/>
+              </a:rPr>
+              <a:t> </a:t>
+            </a:r>
+            <a:r>
+              <a:rPr lang="en-US" altLang="zh-CN" sz="1400" b="0" i="0" u="none" strike="noStrike" cap="none" dirty="0">
+                <a:solidFill>
+                  <a:schemeClr val="lt1"/>
+                </a:solidFill>
+                <a:latin typeface="Arial"/>
+                <a:ea typeface="Arial"/>
+                <a:cs typeface="Arial"/>
+                <a:sym typeface="Arial"/>
+              </a:rPr>
+              <a:t>Vote</a:t>
+            </a:r>
+            <a:endParaRPr dirty="0"/>
+          </a:p>
+        </p:txBody>
+      </p:sp>
+      <p:cxnSp>
+        <p:nvCxnSpPr>
+          <p:cNvPr id="105" name="Google Shape;161;p14">
+            <a:extLst>
+              <a:ext uri="{FF2B5EF4-FFF2-40B4-BE49-F238E27FC236}">
+                <a16:creationId xmlns:a16="http://schemas.microsoft.com/office/drawing/2014/main" id="{B908BA6B-F1D6-7545-B08E-53257E6B787F}"/>
+              </a:ext>
+            </a:extLst>
+          </p:cNvPr>
+          <p:cNvCxnSpPr>
+            <a:stCxn id="96" idx="3"/>
+            <a:endCxn id="97" idx="0"/>
+          </p:cNvCxnSpPr>
+          <p:nvPr/>
+        </p:nvCxnSpPr>
+        <p:spPr>
+          <a:xfrm flipH="1">
+            <a:off x="4344015" y="720850"/>
+            <a:ext cx="1003297" cy="340822"/>
+          </a:xfrm>
+          <a:prstGeom prst="straightConnector1">
+            <a:avLst/>
+          </a:prstGeom>
+          <a:noFill/>
+          <a:ln w="12700" cap="flat" cmpd="sng">
+            <a:solidFill>
+              <a:srgbClr val="EE6800"/>
+            </a:solidFill>
+            <a:prstDash val="solid"/>
+            <a:round/>
+            <a:headEnd type="none" w="sm" len="sm"/>
+            <a:tailEnd type="triangle" w="med" len="med"/>
+          </a:ln>
+        </p:spPr>
+      </p:cxnSp>
+      <p:cxnSp>
+        <p:nvCxnSpPr>
+          <p:cNvPr id="106" name="Google Shape;162;p14">
+            <a:extLst>
+              <a:ext uri="{FF2B5EF4-FFF2-40B4-BE49-F238E27FC236}">
+                <a16:creationId xmlns:a16="http://schemas.microsoft.com/office/drawing/2014/main" id="{F7F3279B-2323-D548-A32D-FE96B896A3F7}"/>
+              </a:ext>
+            </a:extLst>
+          </p:cNvPr>
+          <p:cNvCxnSpPr>
+            <a:stCxn id="96" idx="3"/>
+            <a:endCxn id="100" idx="0"/>
+          </p:cNvCxnSpPr>
+          <p:nvPr/>
+        </p:nvCxnSpPr>
+        <p:spPr>
+          <a:xfrm flipH="1">
+            <a:off x="4979938" y="720850"/>
+            <a:ext cx="367374" cy="340822"/>
+          </a:xfrm>
+          <a:prstGeom prst="straightConnector1">
+            <a:avLst/>
+          </a:prstGeom>
+          <a:noFill/>
+          <a:ln w="12700" cap="flat" cmpd="sng">
+            <a:solidFill>
+              <a:srgbClr val="EE6800"/>
+            </a:solidFill>
+            <a:prstDash val="solid"/>
+            <a:round/>
+            <a:headEnd type="none" w="sm" len="sm"/>
+            <a:tailEnd type="triangle" w="med" len="med"/>
+          </a:ln>
+        </p:spPr>
+      </p:cxnSp>
+      <p:cxnSp>
+        <p:nvCxnSpPr>
+          <p:cNvPr id="107" name="Google Shape;163;p14">
+            <a:extLst>
+              <a:ext uri="{FF2B5EF4-FFF2-40B4-BE49-F238E27FC236}">
+                <a16:creationId xmlns:a16="http://schemas.microsoft.com/office/drawing/2014/main" id="{E63A090C-BDAB-094C-B558-A362B7513617}"/>
+              </a:ext>
+            </a:extLst>
+          </p:cNvPr>
+          <p:cNvCxnSpPr>
+            <a:stCxn id="96" idx="3"/>
+            <a:endCxn id="102" idx="0"/>
+          </p:cNvCxnSpPr>
+          <p:nvPr/>
+        </p:nvCxnSpPr>
+        <p:spPr>
+          <a:xfrm>
+            <a:off x="5347312" y="720850"/>
+            <a:ext cx="749302" cy="346344"/>
+          </a:xfrm>
+          <a:prstGeom prst="straightConnector1">
+            <a:avLst/>
+          </a:prstGeom>
+          <a:noFill/>
+          <a:ln w="12700" cap="flat" cmpd="sng">
+            <a:solidFill>
+              <a:srgbClr val="EE6800"/>
+            </a:solidFill>
+            <a:prstDash val="solid"/>
+            <a:round/>
+            <a:headEnd type="none" w="sm" len="sm"/>
+            <a:tailEnd type="triangle" w="med" len="med"/>
+          </a:ln>
+        </p:spPr>
+      </p:cxnSp>
+      <p:pic>
+        <p:nvPicPr>
+          <p:cNvPr id="108" name="Google Shape;164;p14" descr="Image result for Ellipsis">
+            <a:extLst>
+              <a:ext uri="{FF2B5EF4-FFF2-40B4-BE49-F238E27FC236}">
+                <a16:creationId xmlns:a16="http://schemas.microsoft.com/office/drawing/2014/main" id="{B4BD5078-12CB-9540-BBDC-B9F2848E8B53}"/>
+              </a:ext>
+            </a:extLst>
+          </p:cNvPr>
+          <p:cNvPicPr preferRelativeResize="0"/>
+          <p:nvPr/>
+        </p:nvPicPr>
+        <p:blipFill rotWithShape="1">
+          <a:blip r:embed="rId2">
+            <a:alphaModFix/>
+          </a:blip>
+          <a:srcRect/>
+          <a:stretch/>
+        </p:blipFill>
+        <p:spPr>
+          <a:xfrm>
+            <a:off x="5274583" y="953606"/>
+            <a:ext cx="518151" cy="548640"/>
+          </a:xfrm>
+          <a:prstGeom prst="rect">
+            <a:avLst/>
+          </a:prstGeom>
+          <a:noFill/>
+          <a:ln>
+            <a:noFill/>
+          </a:ln>
+        </p:spPr>
+      </p:pic>
+      <p:cxnSp>
+        <p:nvCxnSpPr>
+          <p:cNvPr id="109" name="Google Shape;165;p14">
+            <a:extLst>
+              <a:ext uri="{FF2B5EF4-FFF2-40B4-BE49-F238E27FC236}">
+                <a16:creationId xmlns:a16="http://schemas.microsoft.com/office/drawing/2014/main" id="{06E92C22-8B73-FE42-AAD5-90A7DE701D48}"/>
+              </a:ext>
+            </a:extLst>
+          </p:cNvPr>
+          <p:cNvCxnSpPr>
+            <a:cxnSpLocks/>
+            <a:stCxn id="97" idx="2"/>
+            <a:endCxn id="103" idx="0"/>
+          </p:cNvCxnSpPr>
+          <p:nvPr/>
+        </p:nvCxnSpPr>
+        <p:spPr>
+          <a:xfrm>
+            <a:off x="4344015" y="1385868"/>
+            <a:ext cx="900257" cy="321406"/>
+          </a:xfrm>
+          <a:prstGeom prst="straightConnector1">
+            <a:avLst/>
+          </a:prstGeom>
+          <a:noFill/>
+          <a:ln w="12700" cap="flat" cmpd="sng">
+            <a:solidFill>
+              <a:srgbClr val="EE6800"/>
+            </a:solidFill>
+            <a:prstDash val="solid"/>
+            <a:round/>
+            <a:headEnd type="none" w="sm" len="sm"/>
+            <a:tailEnd type="triangle" w="med" len="med"/>
+          </a:ln>
+        </p:spPr>
+      </p:cxnSp>
+      <p:cxnSp>
+        <p:nvCxnSpPr>
+          <p:cNvPr id="110" name="Google Shape;166;p14">
+            <a:extLst>
+              <a:ext uri="{FF2B5EF4-FFF2-40B4-BE49-F238E27FC236}">
+                <a16:creationId xmlns:a16="http://schemas.microsoft.com/office/drawing/2014/main" id="{7C6CE326-9875-E941-9528-1DBE8C473561}"/>
+              </a:ext>
+            </a:extLst>
+          </p:cNvPr>
+          <p:cNvCxnSpPr>
+            <a:cxnSpLocks/>
+            <a:stCxn id="100" idx="2"/>
+            <a:endCxn id="103" idx="0"/>
+          </p:cNvCxnSpPr>
+          <p:nvPr/>
+        </p:nvCxnSpPr>
+        <p:spPr>
+          <a:xfrm>
+            <a:off x="4979938" y="1385868"/>
+            <a:ext cx="264334" cy="321406"/>
+          </a:xfrm>
+          <a:prstGeom prst="straightConnector1">
+            <a:avLst/>
+          </a:prstGeom>
+          <a:noFill/>
+          <a:ln w="12700" cap="flat" cmpd="sng">
+            <a:solidFill>
+              <a:srgbClr val="EE6800"/>
+            </a:solidFill>
+            <a:prstDash val="solid"/>
+            <a:round/>
+            <a:headEnd type="none" w="sm" len="sm"/>
+            <a:tailEnd type="triangle" w="med" len="med"/>
+          </a:ln>
+        </p:spPr>
+      </p:cxnSp>
+      <p:cxnSp>
+        <p:nvCxnSpPr>
+          <p:cNvPr id="111" name="Google Shape;167;p14">
+            <a:extLst>
+              <a:ext uri="{FF2B5EF4-FFF2-40B4-BE49-F238E27FC236}">
+                <a16:creationId xmlns:a16="http://schemas.microsoft.com/office/drawing/2014/main" id="{BA3242D7-11BD-8846-9DCE-3E43B27CAACA}"/>
+              </a:ext>
+            </a:extLst>
+          </p:cNvPr>
+          <p:cNvCxnSpPr>
+            <a:cxnSpLocks/>
+            <a:stCxn id="102" idx="2"/>
+            <a:endCxn id="103" idx="0"/>
+          </p:cNvCxnSpPr>
+          <p:nvPr/>
+        </p:nvCxnSpPr>
+        <p:spPr>
+          <a:xfrm flipH="1">
+            <a:off x="5244272" y="1391390"/>
+            <a:ext cx="852342" cy="315884"/>
+          </a:xfrm>
+          <a:prstGeom prst="straightConnector1">
+            <a:avLst/>
+          </a:prstGeom>
+          <a:noFill/>
+          <a:ln w="12700" cap="flat" cmpd="sng">
+            <a:solidFill>
+              <a:srgbClr val="EE6800"/>
+            </a:solidFill>
+            <a:prstDash val="solid"/>
+            <a:round/>
+            <a:headEnd type="none" w="sm" len="sm"/>
+            <a:tailEnd type="triangle" w="med" len="med"/>
+          </a:ln>
+        </p:spPr>
+      </p:cxnSp>
+      <p:sp>
+        <p:nvSpPr>
+          <p:cNvPr id="112" name="Google Shape;168;p14">
+            <a:extLst>
+              <a:ext uri="{FF2B5EF4-FFF2-40B4-BE49-F238E27FC236}">
+                <a16:creationId xmlns:a16="http://schemas.microsoft.com/office/drawing/2014/main" id="{E6D3BE3F-FAE7-2241-8933-51F7AE0A16AF}"/>
+              </a:ext>
+            </a:extLst>
+          </p:cNvPr>
+          <p:cNvSpPr/>
+          <p:nvPr/>
+        </p:nvSpPr>
+        <p:spPr>
+          <a:xfrm>
+            <a:off x="3945810" y="98074"/>
+            <a:ext cx="2417726" cy="2335877"/>
+          </a:xfrm>
+          <a:prstGeom prst="rect">
+            <a:avLst/>
+          </a:prstGeom>
+          <a:noFill/>
+          <a:ln w="25400" cap="flat" cmpd="sng">
+            <a:solidFill>
+              <a:srgbClr val="AE4E00"/>
+            </a:solidFill>
+            <a:prstDash val="dot"/>
+            <a:round/>
+            <a:headEnd type="none" w="sm" len="sm"/>
+            <a:tailEnd type="none" w="sm" len="sm"/>
+          </a:ln>
+        </p:spPr>
+        <p:txBody>
+          <a:bodyPr spcFirstLastPara="1" wrap="square" lIns="91425" tIns="45700" rIns="91425" bIns="45700" anchor="ctr" anchorCtr="0">
+            <a:noAutofit/>
+          </a:bodyPr>
+          <a:lstStyle/>
+          <a:p>
+            <a:pPr marL="0" marR="0" lvl="0" indent="0" algn="ctr" rtl="0">
+              <a:lnSpc>
+                <a:spcPct val="100000"/>
+              </a:lnSpc>
+              <a:spcBef>
+                <a:spcPts val="0"/>
+              </a:spcBef>
+              <a:spcAft>
+                <a:spcPts val="0"/>
+              </a:spcAft>
+              <a:buClr>
+                <a:srgbClr val="000000"/>
+              </a:buClr>
+              <a:buSzPts val="1400"/>
+              <a:buFont typeface="Arial"/>
+              <a:buNone/>
+            </a:pPr>
+            <a:endParaRPr sz="1400" b="0" i="0" u="none" strike="noStrike" cap="none" dirty="0">
+              <a:solidFill>
+                <a:schemeClr val="lt1"/>
+              </a:solidFill>
+              <a:latin typeface="Arial"/>
+              <a:ea typeface="Arial"/>
+              <a:cs typeface="Arial"/>
+              <a:sym typeface="Arial"/>
+            </a:endParaRPr>
+          </a:p>
+        </p:txBody>
+      </p:sp>
+      <p:sp>
+        <p:nvSpPr>
+          <p:cNvPr id="113" name="Google Shape;170;p14">
+            <a:extLst>
+              <a:ext uri="{FF2B5EF4-FFF2-40B4-BE49-F238E27FC236}">
+                <a16:creationId xmlns:a16="http://schemas.microsoft.com/office/drawing/2014/main" id="{169442AB-AF89-8E42-84BE-D52CDC2D29FA}"/>
+              </a:ext>
+            </a:extLst>
+          </p:cNvPr>
+          <p:cNvSpPr/>
+          <p:nvPr/>
+        </p:nvSpPr>
+        <p:spPr>
+          <a:xfrm>
+            <a:off x="7529684" y="313526"/>
+            <a:ext cx="706570" cy="407324"/>
+          </a:xfrm>
+          <a:prstGeom prst="can">
+            <a:avLst>
+              <a:gd name="adj" fmla="val 25000"/>
+            </a:avLst>
+          </a:prstGeom>
+          <a:solidFill>
+            <a:schemeClr val="accent1"/>
+          </a:solidFill>
+          <a:ln w="25400" cap="flat" cmpd="sng">
+            <a:solidFill>
+              <a:srgbClr val="AE4E00"/>
+            </a:solidFill>
+            <a:prstDash val="solid"/>
+            <a:round/>
+            <a:headEnd type="none" w="sm" len="sm"/>
+            <a:tailEnd type="none" w="sm" len="sm"/>
+          </a:ln>
+        </p:spPr>
+        <p:txBody>
+          <a:bodyPr spcFirstLastPara="1" wrap="square" lIns="91425" tIns="45700" rIns="91425" bIns="45700" anchor="ctr" anchorCtr="0">
+            <a:noAutofit/>
+          </a:bodyPr>
+          <a:lstStyle/>
+          <a:p>
+            <a:pPr marL="0" marR="0" lvl="0" indent="0" algn="ctr" rtl="0">
+              <a:lnSpc>
+                <a:spcPct val="100000"/>
+              </a:lnSpc>
+              <a:spcBef>
+                <a:spcPts val="0"/>
+              </a:spcBef>
+              <a:spcAft>
+                <a:spcPts val="0"/>
+              </a:spcAft>
+              <a:buClr>
+                <a:schemeClr val="lt1"/>
+              </a:buClr>
+              <a:buSzPts val="1400"/>
+              <a:buFont typeface="Arial"/>
+              <a:buNone/>
+            </a:pPr>
+            <a:r>
+              <a:rPr lang="en-US" sz="1400" b="0" i="0" u="none" strike="noStrike" cap="none">
+                <a:solidFill>
+                  <a:schemeClr val="lt1"/>
+                </a:solidFill>
+                <a:latin typeface="Arial"/>
+                <a:ea typeface="Arial"/>
+                <a:cs typeface="Arial"/>
+                <a:sym typeface="Arial"/>
+              </a:rPr>
+              <a:t>Data</a:t>
+            </a:r>
+            <a:endParaRPr/>
+          </a:p>
+        </p:txBody>
+      </p:sp>
+      <p:sp>
+        <p:nvSpPr>
+          <p:cNvPr id="114" name="Google Shape;171;p14">
+            <a:extLst>
+              <a:ext uri="{FF2B5EF4-FFF2-40B4-BE49-F238E27FC236}">
+                <a16:creationId xmlns:a16="http://schemas.microsoft.com/office/drawing/2014/main" id="{704CA773-5F82-144B-A247-DBAE7F7AFB8E}"/>
+              </a:ext>
+            </a:extLst>
+          </p:cNvPr>
+          <p:cNvSpPr/>
+          <p:nvPr/>
+        </p:nvSpPr>
+        <p:spPr>
+          <a:xfrm>
+            <a:off x="6640223" y="1061672"/>
+            <a:ext cx="478898" cy="324196"/>
+          </a:xfrm>
+          <a:prstGeom prst="rect">
+            <a:avLst/>
+          </a:prstGeom>
+          <a:solidFill>
+            <a:schemeClr val="accent1"/>
+          </a:solidFill>
+          <a:ln w="25400" cap="flat" cmpd="sng">
+            <a:solidFill>
+              <a:srgbClr val="AE4E00"/>
+            </a:solidFill>
+            <a:prstDash val="solid"/>
+            <a:round/>
+            <a:headEnd type="none" w="sm" len="sm"/>
+            <a:tailEnd type="none" w="sm" len="sm"/>
+          </a:ln>
+        </p:spPr>
+        <p:txBody>
+          <a:bodyPr spcFirstLastPara="1" wrap="square" lIns="91425" tIns="45700" rIns="91425" bIns="45700" anchor="ctr" anchorCtr="0">
+            <a:noAutofit/>
+          </a:bodyPr>
+          <a:lstStyle/>
+          <a:p>
+            <a:pPr marL="0" marR="0" lvl="0" indent="0" algn="ctr" rtl="0">
+              <a:lnSpc>
+                <a:spcPct val="100000"/>
+              </a:lnSpc>
+              <a:spcBef>
+                <a:spcPts val="0"/>
+              </a:spcBef>
+              <a:spcAft>
+                <a:spcPts val="0"/>
+              </a:spcAft>
+              <a:buClr>
+                <a:schemeClr val="lt1"/>
+              </a:buClr>
+              <a:buSzPts val="1400"/>
+              <a:buFont typeface="Arial"/>
+              <a:buNone/>
+            </a:pPr>
+            <a:r>
+              <a:rPr lang="en-US" sz="1400" b="0" i="0" u="none" strike="noStrike" cap="none" dirty="0">
+                <a:solidFill>
+                  <a:schemeClr val="lt1"/>
+                </a:solidFill>
+                <a:latin typeface="Arial"/>
+                <a:ea typeface="Arial"/>
+                <a:cs typeface="Arial"/>
+                <a:sym typeface="Arial"/>
+              </a:rPr>
+              <a:t>D</a:t>
+            </a:r>
+            <a:r>
+              <a:rPr lang="en-US" sz="1400" b="0" i="0" u="none" strike="noStrike" cap="none" baseline="-25000" dirty="0">
+                <a:solidFill>
+                  <a:schemeClr val="lt1"/>
+                </a:solidFill>
+                <a:latin typeface="Arial"/>
+                <a:ea typeface="Arial"/>
+                <a:cs typeface="Arial"/>
+                <a:sym typeface="Arial"/>
+              </a:rPr>
+              <a:t>1</a:t>
+            </a:r>
+            <a:endParaRPr dirty="0"/>
+          </a:p>
+        </p:txBody>
+      </p:sp>
+      <p:sp>
+        <p:nvSpPr>
+          <p:cNvPr id="115" name="Google Shape;172;p14">
+            <a:extLst>
+              <a:ext uri="{FF2B5EF4-FFF2-40B4-BE49-F238E27FC236}">
+                <a16:creationId xmlns:a16="http://schemas.microsoft.com/office/drawing/2014/main" id="{6565FBBB-90A2-6441-9B1C-17B3A7BE94F6}"/>
+              </a:ext>
+            </a:extLst>
+          </p:cNvPr>
+          <p:cNvSpPr/>
+          <p:nvPr/>
+        </p:nvSpPr>
+        <p:spPr>
+          <a:xfrm>
+            <a:off x="7276146" y="1061672"/>
+            <a:ext cx="478898" cy="324196"/>
+          </a:xfrm>
+          <a:prstGeom prst="rect">
+            <a:avLst/>
+          </a:prstGeom>
+          <a:solidFill>
+            <a:schemeClr val="accent1"/>
+          </a:solidFill>
+          <a:ln w="25400" cap="flat" cmpd="sng">
+            <a:solidFill>
+              <a:srgbClr val="AE4E00"/>
+            </a:solidFill>
+            <a:prstDash val="solid"/>
+            <a:round/>
+            <a:headEnd type="none" w="sm" len="sm"/>
+            <a:tailEnd type="none" w="sm" len="sm"/>
+          </a:ln>
+        </p:spPr>
+        <p:txBody>
+          <a:bodyPr spcFirstLastPara="1" wrap="square" lIns="91425" tIns="45700" rIns="91425" bIns="45700" anchor="ctr" anchorCtr="0">
+            <a:noAutofit/>
+          </a:bodyPr>
+          <a:lstStyle/>
+          <a:p>
+            <a:pPr marL="0" marR="0" lvl="0" indent="0" algn="ctr" rtl="0">
+              <a:lnSpc>
+                <a:spcPct val="100000"/>
+              </a:lnSpc>
+              <a:spcBef>
+                <a:spcPts val="0"/>
+              </a:spcBef>
+              <a:spcAft>
+                <a:spcPts val="0"/>
+              </a:spcAft>
+              <a:buClr>
+                <a:schemeClr val="lt1"/>
+              </a:buClr>
+              <a:buSzPts val="1400"/>
+              <a:buFont typeface="Arial"/>
+              <a:buNone/>
+            </a:pPr>
+            <a:r>
+              <a:rPr lang="en-US" sz="1400" b="0" i="0" u="none" strike="noStrike" cap="none">
+                <a:solidFill>
+                  <a:schemeClr val="lt1"/>
+                </a:solidFill>
+                <a:latin typeface="Arial"/>
+                <a:ea typeface="Arial"/>
+                <a:cs typeface="Arial"/>
+                <a:sym typeface="Arial"/>
+              </a:rPr>
+              <a:t>D</a:t>
+            </a:r>
+            <a:r>
+              <a:rPr lang="en-US" sz="1400" b="0" i="0" u="none" strike="noStrike" cap="none" baseline="-25000">
+                <a:solidFill>
+                  <a:schemeClr val="lt1"/>
+                </a:solidFill>
+                <a:latin typeface="Arial"/>
+                <a:ea typeface="Arial"/>
+                <a:cs typeface="Arial"/>
+                <a:sym typeface="Arial"/>
+              </a:rPr>
+              <a:t>2</a:t>
+            </a:r>
+            <a:endParaRPr/>
+          </a:p>
+        </p:txBody>
+      </p:sp>
+      <p:sp>
+        <p:nvSpPr>
+          <p:cNvPr id="116" name="Google Shape;173;p14">
+            <a:extLst>
+              <a:ext uri="{FF2B5EF4-FFF2-40B4-BE49-F238E27FC236}">
+                <a16:creationId xmlns:a16="http://schemas.microsoft.com/office/drawing/2014/main" id="{0A205968-FBC4-C647-B3D0-60E73313BF2C}"/>
+              </a:ext>
+            </a:extLst>
+          </p:cNvPr>
+          <p:cNvSpPr/>
+          <p:nvPr/>
+        </p:nvSpPr>
+        <p:spPr>
+          <a:xfrm>
+            <a:off x="8392822" y="1067194"/>
+            <a:ext cx="478898" cy="324196"/>
+          </a:xfrm>
+          <a:prstGeom prst="rect">
+            <a:avLst/>
+          </a:prstGeom>
+          <a:solidFill>
+            <a:schemeClr val="accent1"/>
+          </a:solidFill>
+          <a:ln w="25400" cap="flat" cmpd="sng">
+            <a:solidFill>
+              <a:srgbClr val="AE4E00"/>
+            </a:solidFill>
+            <a:prstDash val="solid"/>
+            <a:round/>
+            <a:headEnd type="none" w="sm" len="sm"/>
+            <a:tailEnd type="none" w="sm" len="sm"/>
+          </a:ln>
+        </p:spPr>
+        <p:txBody>
+          <a:bodyPr spcFirstLastPara="1" wrap="square" lIns="91425" tIns="45700" rIns="91425" bIns="45700" anchor="ctr" anchorCtr="0">
+            <a:noAutofit/>
+          </a:bodyPr>
+          <a:lstStyle/>
+          <a:p>
+            <a:pPr marL="0" marR="0" lvl="0" indent="0" algn="ctr" rtl="0">
+              <a:lnSpc>
+                <a:spcPct val="100000"/>
+              </a:lnSpc>
+              <a:spcBef>
+                <a:spcPts val="0"/>
+              </a:spcBef>
+              <a:spcAft>
+                <a:spcPts val="0"/>
+              </a:spcAft>
+              <a:buClr>
+                <a:schemeClr val="lt1"/>
+              </a:buClr>
+              <a:buSzPts val="1400"/>
+              <a:buFont typeface="Arial"/>
+              <a:buNone/>
+            </a:pPr>
+            <a:r>
+              <a:rPr lang="en-US" sz="1400" b="0" i="0" u="none" strike="noStrike" cap="none">
+                <a:solidFill>
+                  <a:schemeClr val="lt1"/>
+                </a:solidFill>
+                <a:latin typeface="Arial"/>
+                <a:ea typeface="Arial"/>
+                <a:cs typeface="Arial"/>
+                <a:sym typeface="Arial"/>
+              </a:rPr>
+              <a:t>D</a:t>
+            </a:r>
+            <a:r>
+              <a:rPr lang="en-US" sz="1400" b="0" i="0" u="none" strike="noStrike" cap="none" baseline="-25000">
+                <a:solidFill>
+                  <a:schemeClr val="lt1"/>
+                </a:solidFill>
+                <a:latin typeface="Arial"/>
+                <a:ea typeface="Arial"/>
+                <a:cs typeface="Arial"/>
+                <a:sym typeface="Arial"/>
+              </a:rPr>
+              <a:t>k</a:t>
+            </a:r>
+            <a:endParaRPr/>
+          </a:p>
+        </p:txBody>
+      </p:sp>
+      <p:sp>
+        <p:nvSpPr>
+          <p:cNvPr id="117" name="Google Shape;174;p14">
+            <a:extLst>
+              <a:ext uri="{FF2B5EF4-FFF2-40B4-BE49-F238E27FC236}">
+                <a16:creationId xmlns:a16="http://schemas.microsoft.com/office/drawing/2014/main" id="{51A0CE65-9400-314D-8153-B7A80764B8AD}"/>
+              </a:ext>
+            </a:extLst>
+          </p:cNvPr>
+          <p:cNvSpPr/>
+          <p:nvPr/>
+        </p:nvSpPr>
+        <p:spPr>
+          <a:xfrm>
+            <a:off x="6969301" y="1707274"/>
+            <a:ext cx="1745447" cy="576368"/>
+          </a:xfrm>
+          <a:prstGeom prst="ellipse">
+            <a:avLst/>
+          </a:prstGeom>
+          <a:solidFill>
+            <a:schemeClr val="tx1">
+              <a:lumMod val="50000"/>
+            </a:schemeClr>
+          </a:solidFill>
+          <a:ln w="25400" cap="flat" cmpd="sng">
+            <a:solidFill>
+              <a:schemeClr val="accent2">
+                <a:lumMod val="75000"/>
+              </a:schemeClr>
+            </a:solidFill>
+            <a:prstDash val="solid"/>
+            <a:round/>
+            <a:headEnd type="none" w="sm" len="sm"/>
+            <a:tailEnd type="none" w="sm" len="sm"/>
+          </a:ln>
+        </p:spPr>
+        <p:txBody>
+          <a:bodyPr spcFirstLastPara="1" wrap="square" lIns="91425" tIns="45700" rIns="91425" bIns="45700" anchor="ctr" anchorCtr="0">
+            <a:noAutofit/>
+          </a:bodyPr>
+          <a:lstStyle/>
+          <a:p>
+            <a:pPr marL="0" marR="0" lvl="0" indent="0" algn="ctr" rtl="0">
+              <a:lnSpc>
+                <a:spcPct val="100000"/>
+              </a:lnSpc>
+              <a:spcBef>
+                <a:spcPts val="0"/>
+              </a:spcBef>
+              <a:spcAft>
+                <a:spcPts val="0"/>
+              </a:spcAft>
+              <a:buClr>
+                <a:schemeClr val="lt1"/>
+              </a:buClr>
+              <a:buSzPts val="1400"/>
+              <a:buFont typeface="Arial"/>
+              <a:buNone/>
+            </a:pPr>
+            <a:r>
+              <a:rPr lang="en-US" sz="1400" b="0" i="0" u="none" strike="noStrike" cap="none">
+                <a:solidFill>
+                  <a:schemeClr val="lt1"/>
+                </a:solidFill>
+                <a:latin typeface="Arial"/>
+                <a:ea typeface="Arial"/>
+                <a:cs typeface="Arial"/>
+                <a:sym typeface="Arial"/>
+              </a:rPr>
+              <a:t>Maximization</a:t>
+            </a:r>
+            <a:endParaRPr/>
+          </a:p>
+        </p:txBody>
+      </p:sp>
+      <p:cxnSp>
+        <p:nvCxnSpPr>
+          <p:cNvPr id="118" name="Google Shape;175;p14">
+            <a:extLst>
+              <a:ext uri="{FF2B5EF4-FFF2-40B4-BE49-F238E27FC236}">
+                <a16:creationId xmlns:a16="http://schemas.microsoft.com/office/drawing/2014/main" id="{40023EE3-029E-0F49-8F9A-AF4B15612E0E}"/>
+              </a:ext>
+            </a:extLst>
+          </p:cNvPr>
+          <p:cNvCxnSpPr>
+            <a:stCxn id="113" idx="3"/>
+            <a:endCxn id="114" idx="0"/>
+          </p:cNvCxnSpPr>
+          <p:nvPr/>
+        </p:nvCxnSpPr>
+        <p:spPr>
+          <a:xfrm flipH="1">
+            <a:off x="6879672" y="720850"/>
+            <a:ext cx="1003297" cy="340822"/>
+          </a:xfrm>
+          <a:prstGeom prst="straightConnector1">
+            <a:avLst/>
+          </a:prstGeom>
+          <a:noFill/>
+          <a:ln w="12700" cap="flat" cmpd="sng">
+            <a:solidFill>
+              <a:srgbClr val="EE6800"/>
+            </a:solidFill>
+            <a:prstDash val="solid"/>
+            <a:round/>
+            <a:headEnd type="none" w="sm" len="sm"/>
+            <a:tailEnd type="triangle" w="med" len="med"/>
+          </a:ln>
+        </p:spPr>
+      </p:cxnSp>
+      <p:cxnSp>
+        <p:nvCxnSpPr>
+          <p:cNvPr id="119" name="Google Shape;176;p14">
+            <a:extLst>
+              <a:ext uri="{FF2B5EF4-FFF2-40B4-BE49-F238E27FC236}">
+                <a16:creationId xmlns:a16="http://schemas.microsoft.com/office/drawing/2014/main" id="{FDD97B83-58F1-A543-B271-9FFD8F6D8116}"/>
+              </a:ext>
+            </a:extLst>
+          </p:cNvPr>
+          <p:cNvCxnSpPr>
+            <a:stCxn id="113" idx="3"/>
+            <a:endCxn id="115" idx="0"/>
+          </p:cNvCxnSpPr>
+          <p:nvPr/>
+        </p:nvCxnSpPr>
+        <p:spPr>
+          <a:xfrm flipH="1">
+            <a:off x="7515595" y="720850"/>
+            <a:ext cx="367374" cy="340822"/>
+          </a:xfrm>
+          <a:prstGeom prst="straightConnector1">
+            <a:avLst/>
+          </a:prstGeom>
+          <a:noFill/>
+          <a:ln w="12700" cap="flat" cmpd="sng">
+            <a:solidFill>
+              <a:srgbClr val="EE6800"/>
+            </a:solidFill>
+            <a:prstDash val="solid"/>
+            <a:round/>
+            <a:headEnd type="none" w="sm" len="sm"/>
+            <a:tailEnd type="triangle" w="med" len="med"/>
+          </a:ln>
+        </p:spPr>
+      </p:cxnSp>
+      <p:cxnSp>
+        <p:nvCxnSpPr>
+          <p:cNvPr id="120" name="Google Shape;177;p14">
+            <a:extLst>
+              <a:ext uri="{FF2B5EF4-FFF2-40B4-BE49-F238E27FC236}">
+                <a16:creationId xmlns:a16="http://schemas.microsoft.com/office/drawing/2014/main" id="{D4E8B8D5-28A0-1B48-8649-A66FA4F09FA6}"/>
+              </a:ext>
+            </a:extLst>
+          </p:cNvPr>
+          <p:cNvCxnSpPr>
+            <a:stCxn id="113" idx="3"/>
+            <a:endCxn id="116" idx="0"/>
+          </p:cNvCxnSpPr>
+          <p:nvPr/>
+        </p:nvCxnSpPr>
+        <p:spPr>
+          <a:xfrm>
+            <a:off x="7882969" y="720850"/>
+            <a:ext cx="749302" cy="346344"/>
+          </a:xfrm>
+          <a:prstGeom prst="straightConnector1">
+            <a:avLst/>
+          </a:prstGeom>
+          <a:noFill/>
+          <a:ln w="12700" cap="flat" cmpd="sng">
+            <a:solidFill>
+              <a:srgbClr val="EE6800"/>
+            </a:solidFill>
+            <a:prstDash val="solid"/>
+            <a:round/>
+            <a:headEnd type="none" w="sm" len="sm"/>
+            <a:tailEnd type="triangle" w="med" len="med"/>
+          </a:ln>
+        </p:spPr>
+      </p:cxnSp>
+      <p:pic>
+        <p:nvPicPr>
+          <p:cNvPr id="121" name="Google Shape;178;p14" descr="Image result for Ellipsis">
+            <a:extLst>
+              <a:ext uri="{FF2B5EF4-FFF2-40B4-BE49-F238E27FC236}">
+                <a16:creationId xmlns:a16="http://schemas.microsoft.com/office/drawing/2014/main" id="{6B507016-512A-844D-B816-8FDA235C92E2}"/>
+              </a:ext>
+            </a:extLst>
+          </p:cNvPr>
+          <p:cNvPicPr preferRelativeResize="0"/>
+          <p:nvPr/>
+        </p:nvPicPr>
+        <p:blipFill rotWithShape="1">
+          <a:blip r:embed="rId2">
+            <a:alphaModFix/>
+          </a:blip>
+          <a:srcRect/>
+          <a:stretch/>
+        </p:blipFill>
+        <p:spPr>
+          <a:xfrm>
+            <a:off x="7810240" y="953606"/>
+            <a:ext cx="518151" cy="548640"/>
+          </a:xfrm>
+          <a:prstGeom prst="rect">
+            <a:avLst/>
+          </a:prstGeom>
+          <a:noFill/>
+          <a:ln>
+            <a:noFill/>
+          </a:ln>
+        </p:spPr>
+      </p:pic>
+      <p:cxnSp>
+        <p:nvCxnSpPr>
+          <p:cNvPr id="122" name="Google Shape;179;p14">
+            <a:extLst>
+              <a:ext uri="{FF2B5EF4-FFF2-40B4-BE49-F238E27FC236}">
+                <a16:creationId xmlns:a16="http://schemas.microsoft.com/office/drawing/2014/main" id="{6B407AB3-C85D-7A4D-9480-08E8E18B409A}"/>
+              </a:ext>
+            </a:extLst>
+          </p:cNvPr>
+          <p:cNvCxnSpPr>
+            <a:cxnSpLocks/>
+            <a:stCxn id="114" idx="2"/>
+            <a:endCxn id="117" idx="0"/>
+          </p:cNvCxnSpPr>
+          <p:nvPr/>
+        </p:nvCxnSpPr>
+        <p:spPr>
+          <a:xfrm>
+            <a:off x="6879672" y="1385868"/>
+            <a:ext cx="962353" cy="321406"/>
+          </a:xfrm>
+          <a:prstGeom prst="straightConnector1">
+            <a:avLst/>
+          </a:prstGeom>
+          <a:noFill/>
+          <a:ln w="12700" cap="flat" cmpd="sng">
+            <a:solidFill>
+              <a:srgbClr val="EE6800"/>
+            </a:solidFill>
+            <a:prstDash val="solid"/>
+            <a:round/>
+            <a:headEnd type="none" w="sm" len="sm"/>
+            <a:tailEnd type="triangle" w="med" len="med"/>
+          </a:ln>
+        </p:spPr>
+      </p:cxnSp>
+      <p:cxnSp>
+        <p:nvCxnSpPr>
+          <p:cNvPr id="123" name="Google Shape;180;p14">
+            <a:extLst>
+              <a:ext uri="{FF2B5EF4-FFF2-40B4-BE49-F238E27FC236}">
+                <a16:creationId xmlns:a16="http://schemas.microsoft.com/office/drawing/2014/main" id="{AAA609F9-81D3-3647-BFA3-2D27714AB8A0}"/>
+              </a:ext>
+            </a:extLst>
+          </p:cNvPr>
+          <p:cNvCxnSpPr>
+            <a:cxnSpLocks/>
+            <a:stCxn id="115" idx="2"/>
+            <a:endCxn id="117" idx="0"/>
+          </p:cNvCxnSpPr>
+          <p:nvPr/>
+        </p:nvCxnSpPr>
+        <p:spPr>
+          <a:xfrm>
+            <a:off x="7515595" y="1385868"/>
+            <a:ext cx="326430" cy="321406"/>
+          </a:xfrm>
+          <a:prstGeom prst="straightConnector1">
+            <a:avLst/>
+          </a:prstGeom>
+          <a:noFill/>
+          <a:ln w="12700" cap="flat" cmpd="sng">
+            <a:solidFill>
+              <a:srgbClr val="EE6800"/>
+            </a:solidFill>
+            <a:prstDash val="solid"/>
+            <a:round/>
+            <a:headEnd type="none" w="sm" len="sm"/>
+            <a:tailEnd type="triangle" w="med" len="med"/>
+          </a:ln>
+        </p:spPr>
+      </p:cxnSp>
+      <p:cxnSp>
+        <p:nvCxnSpPr>
+          <p:cNvPr id="124" name="Google Shape;181;p14">
+            <a:extLst>
+              <a:ext uri="{FF2B5EF4-FFF2-40B4-BE49-F238E27FC236}">
+                <a16:creationId xmlns:a16="http://schemas.microsoft.com/office/drawing/2014/main" id="{B24F6E76-3F13-524B-B50E-D2ECB76909CE}"/>
+              </a:ext>
+            </a:extLst>
+          </p:cNvPr>
+          <p:cNvCxnSpPr>
+            <a:cxnSpLocks/>
+            <a:stCxn id="116" idx="2"/>
+            <a:endCxn id="117" idx="0"/>
+          </p:cNvCxnSpPr>
+          <p:nvPr/>
+        </p:nvCxnSpPr>
+        <p:spPr>
+          <a:xfrm flipH="1">
+            <a:off x="7842025" y="1391390"/>
+            <a:ext cx="790246" cy="315884"/>
+          </a:xfrm>
+          <a:prstGeom prst="straightConnector1">
+            <a:avLst/>
+          </a:prstGeom>
+          <a:noFill/>
+          <a:ln w="12700" cap="flat" cmpd="sng">
+            <a:solidFill>
+              <a:srgbClr val="EE6800"/>
+            </a:solidFill>
+            <a:prstDash val="solid"/>
+            <a:round/>
+            <a:headEnd type="none" w="sm" len="sm"/>
+            <a:tailEnd type="triangle" w="med" len="med"/>
+          </a:ln>
+        </p:spPr>
+      </p:cxnSp>
+      <p:sp>
+        <p:nvSpPr>
+          <p:cNvPr id="125" name="Google Shape;182;p14">
+            <a:extLst>
+              <a:ext uri="{FF2B5EF4-FFF2-40B4-BE49-F238E27FC236}">
+                <a16:creationId xmlns:a16="http://schemas.microsoft.com/office/drawing/2014/main" id="{B8180609-36B0-BD4C-8001-700E493C4E06}"/>
+              </a:ext>
+            </a:extLst>
+          </p:cNvPr>
+          <p:cNvSpPr/>
+          <p:nvPr/>
+        </p:nvSpPr>
+        <p:spPr>
+          <a:xfrm>
+            <a:off x="6551042" y="134972"/>
+            <a:ext cx="2418038" cy="2298979"/>
+          </a:xfrm>
+          <a:prstGeom prst="rect">
+            <a:avLst/>
+          </a:prstGeom>
+          <a:noFill/>
+          <a:ln w="25400" cap="flat" cmpd="sng">
+            <a:solidFill>
+              <a:srgbClr val="AE4E00"/>
+            </a:solidFill>
+            <a:prstDash val="dot"/>
+            <a:round/>
+            <a:headEnd type="none" w="sm" len="sm"/>
+            <a:tailEnd type="none" w="sm" len="sm"/>
+          </a:ln>
+        </p:spPr>
+        <p:txBody>
+          <a:bodyPr spcFirstLastPara="1" wrap="square" lIns="91425" tIns="45700" rIns="91425" bIns="45700" anchor="ctr" anchorCtr="0">
+            <a:noAutofit/>
+          </a:bodyPr>
+          <a:lstStyle/>
+          <a:p>
+            <a:pPr marL="0" marR="0" lvl="0" indent="0" algn="ctr" rtl="0">
+              <a:lnSpc>
+                <a:spcPct val="100000"/>
+              </a:lnSpc>
+              <a:spcBef>
+                <a:spcPts val="0"/>
+              </a:spcBef>
+              <a:spcAft>
+                <a:spcPts val="0"/>
+              </a:spcAft>
+              <a:buClr>
+                <a:srgbClr val="000000"/>
+              </a:buClr>
+              <a:buSzPts val="1400"/>
+              <a:buFont typeface="Arial"/>
+              <a:buNone/>
+            </a:pPr>
+            <a:endParaRPr sz="1400" b="0" i="0" u="none" strike="noStrike" cap="none">
+              <a:solidFill>
+                <a:schemeClr val="lt1"/>
+              </a:solidFill>
+              <a:latin typeface="Arial"/>
+              <a:ea typeface="Arial"/>
+              <a:cs typeface="Arial"/>
+              <a:sym typeface="Arial"/>
+            </a:endParaRPr>
+          </a:p>
+        </p:txBody>
+      </p:sp>
+      <p:sp>
+        <p:nvSpPr>
+          <p:cNvPr id="126" name="Google Shape;77;p12">
+            <a:extLst>
+              <a:ext uri="{FF2B5EF4-FFF2-40B4-BE49-F238E27FC236}">
+                <a16:creationId xmlns:a16="http://schemas.microsoft.com/office/drawing/2014/main" id="{49F7AE1C-C9EC-2D42-9A08-15AFD1848329}"/>
+              </a:ext>
+            </a:extLst>
+          </p:cNvPr>
+          <p:cNvSpPr/>
+          <p:nvPr/>
+        </p:nvSpPr>
+        <p:spPr>
+          <a:xfrm>
+            <a:off x="144952" y="1073226"/>
+            <a:ext cx="1001419" cy="613515"/>
+          </a:xfrm>
+          <a:prstGeom prst="rect">
+            <a:avLst/>
+          </a:prstGeom>
+          <a:solidFill>
+            <a:schemeClr val="tx1">
+              <a:lumMod val="50000"/>
+            </a:schemeClr>
+          </a:solidFill>
+          <a:ln w="25400" cap="flat" cmpd="sng">
+            <a:solidFill>
+              <a:schemeClr val="accent2">
+                <a:lumMod val="75000"/>
+              </a:schemeClr>
+            </a:solidFill>
+            <a:prstDash val="solid"/>
+            <a:round/>
+            <a:headEnd type="none" w="sm" len="sm"/>
+            <a:tailEnd type="none" w="sm" len="sm"/>
+          </a:ln>
+        </p:spPr>
+        <p:txBody>
+          <a:bodyPr spcFirstLastPara="1" wrap="square" lIns="91425" tIns="45700" rIns="91425" bIns="45700" anchor="ctr" anchorCtr="0">
+            <a:noAutofit/>
+          </a:bodyPr>
+          <a:lstStyle/>
+          <a:p>
+            <a:pPr marL="0" marR="0" lvl="0" indent="0" algn="ctr" rtl="0">
+              <a:lnSpc>
+                <a:spcPct val="100000"/>
+              </a:lnSpc>
+              <a:spcBef>
+                <a:spcPts val="0"/>
+              </a:spcBef>
+              <a:spcAft>
+                <a:spcPts val="0"/>
+              </a:spcAft>
+              <a:buClr>
+                <a:schemeClr val="lt1"/>
+              </a:buClr>
+              <a:buSzPts val="1400"/>
+              <a:buFont typeface="Arial"/>
+              <a:buNone/>
+            </a:pPr>
+            <a:r>
+              <a:rPr lang="en-US" altLang="zh-CN" sz="1400" b="0" i="0" u="none" strike="noStrike" cap="none" dirty="0">
+                <a:solidFill>
+                  <a:schemeClr val="lt1"/>
+                </a:solidFill>
+                <a:latin typeface="Arial"/>
+                <a:ea typeface="Arial"/>
+                <a:cs typeface="Arial"/>
+                <a:sym typeface="Arial"/>
+              </a:rPr>
+              <a:t>Basic</a:t>
+            </a:r>
+            <a:r>
+              <a:rPr lang="zh-CN" altLang="en-US" sz="1400" b="0" i="0" u="none" strike="noStrike" cap="none" dirty="0">
+                <a:solidFill>
+                  <a:schemeClr val="lt1"/>
+                </a:solidFill>
+                <a:latin typeface="Arial"/>
+                <a:ea typeface="Arial"/>
+                <a:cs typeface="Arial"/>
+                <a:sym typeface="Arial"/>
+              </a:rPr>
+              <a:t> </a:t>
+            </a:r>
+            <a:r>
+              <a:rPr lang="en-US" altLang="zh-CN" dirty="0">
+                <a:solidFill>
+                  <a:schemeClr val="lt1"/>
+                </a:solidFill>
+              </a:rPr>
+              <a:t>Models</a:t>
+            </a:r>
+            <a:endParaRPr dirty="0"/>
+          </a:p>
+        </p:txBody>
+      </p:sp>
+    </p:spTree>
+    <p:extLst>
+      <p:ext uri="{BB962C8B-B14F-4D97-AF65-F5344CB8AC3E}">
+        <p14:creationId xmlns:p14="http://schemas.microsoft.com/office/powerpoint/2010/main" val="116915236"/>
+      </p:ext>
+    </p:extLst>
+  </p:cSld>
+  <p:clrMapOvr>
+    <a:masterClrMapping/>
+  </p:clrMapOvr>
+</p:sld>
+</file>
+
 <file path=ppt/theme/theme1.xml><?xml version="1.0" encoding="utf-8"?>
 <a:theme xmlns:a="http://schemas.openxmlformats.org/drawingml/2006/main" name="Tropic">
   <a:themeElements>

--- a/docs/figs/framework_demo.pptx
+++ b/docs/figs/framework_demo.pptx
@@ -19690,7 +19690,7 @@
               <a:buNone/>
             </a:pPr>
             <a:r>
-              <a:rPr lang="en-US" sz="1400" b="0" i="0" u="none" strike="noStrike" cap="none">
+              <a:rPr lang="en-US" sz="1400" b="0" i="0" u="none" strike="noStrike" cap="none" dirty="0">
                 <a:solidFill>
                   <a:schemeClr val="lt1"/>
                 </a:solidFill>
@@ -19701,7 +19701,7 @@
               </a:rPr>
               <a:t>Data</a:t>
             </a:r>
-            <a:endParaRPr/>
+            <a:endParaRPr dirty="0"/>
           </a:p>
         </p:txBody>
       </p:sp>
@@ -19971,7 +19971,7 @@
         </p:nvSpPr>
         <p:spPr>
           <a:xfrm>
-            <a:off x="2362395" y="2721837"/>
+            <a:off x="2238121" y="2721426"/>
             <a:ext cx="706570" cy="407324"/>
           </a:xfrm>
           <a:prstGeom prst="can">
@@ -20016,7 +20016,7 @@
               <a:buNone/>
             </a:pPr>
             <a:r>
-              <a:rPr lang="en-US" sz="1400" b="0" i="0" u="none" strike="noStrike" cap="none">
+              <a:rPr lang="en-US" sz="1400" b="0" i="0" u="none" strike="noStrike" cap="none" dirty="0">
                 <a:solidFill>
                   <a:schemeClr val="lt1"/>
                 </a:solidFill>
@@ -20027,7 +20027,7 @@
               </a:rPr>
               <a:t>Data</a:t>
             </a:r>
-            <a:endParaRPr/>
+            <a:endParaRPr dirty="0"/>
           </a:p>
         </p:txBody>
       </p:sp>
@@ -20393,8 +20393,8 @@
         </p:nvCxnSpPr>
         <p:spPr>
           <a:xfrm flipH="1">
-            <a:off x="1712383" y="3129161"/>
-            <a:ext cx="1003297" cy="340822"/>
+            <a:off x="1712383" y="3128750"/>
+            <a:ext cx="879023" cy="341233"/>
           </a:xfrm>
           <a:prstGeom prst="straightConnector1">
             <a:avLst/>
@@ -20428,8 +20428,8 @@
         </p:nvCxnSpPr>
         <p:spPr>
           <a:xfrm flipH="1">
-            <a:off x="2348306" y="3129161"/>
-            <a:ext cx="367374" cy="340822"/>
+            <a:off x="2348306" y="3128750"/>
+            <a:ext cx="243100" cy="341233"/>
           </a:xfrm>
           <a:prstGeom prst="straightConnector1">
             <a:avLst/>
@@ -20456,6 +20456,7 @@
             </a:extLst>
           </p:cNvPr>
           <p:cNvCxnSpPr>
+            <a:cxnSpLocks/>
             <a:stCxn id="7" idx="3"/>
             <a:endCxn id="10" idx="0"/>
           </p:cNvCxnSpPr>
@@ -20463,8 +20464,8 @@
         </p:nvCxnSpPr>
         <p:spPr>
           <a:xfrm>
-            <a:off x="2715680" y="3129161"/>
-            <a:ext cx="749302" cy="346344"/>
+            <a:off x="2591406" y="3128750"/>
+            <a:ext cx="873576" cy="346755"/>
           </a:xfrm>
           <a:prstGeom prst="straightConnector1">
             <a:avLst/>
@@ -20871,7 +20872,7 @@
         </p:nvSpPr>
         <p:spPr>
           <a:xfrm>
-            <a:off x="7565314" y="2731106"/>
+            <a:off x="7456955" y="2761672"/>
             <a:ext cx="706570" cy="407324"/>
           </a:xfrm>
           <a:prstGeom prst="can">
@@ -20916,7 +20917,7 @@
               <a:buNone/>
             </a:pPr>
             <a:r>
-              <a:rPr lang="en-US" sz="1400" b="0" i="0" u="none" strike="noStrike" cap="none">
+              <a:rPr lang="en-US" sz="1400" b="0" i="0" u="none" strike="noStrike" cap="none" dirty="0">
                 <a:solidFill>
                   <a:schemeClr val="lt1"/>
                 </a:solidFill>
@@ -20927,7 +20928,7 @@
               </a:rPr>
               <a:t>Data</a:t>
             </a:r>
-            <a:endParaRPr/>
+            <a:endParaRPr dirty="0"/>
           </a:p>
         </p:txBody>
       </p:sp>
@@ -21280,8 +21281,8 @@
         </p:nvCxnSpPr>
         <p:spPr>
           <a:xfrm flipH="1">
-            <a:off x="6915302" y="3138430"/>
-            <a:ext cx="1003297" cy="340822"/>
+            <a:off x="6915302" y="3168996"/>
+            <a:ext cx="894938" cy="310256"/>
           </a:xfrm>
           <a:prstGeom prst="straightConnector1">
             <a:avLst/>
@@ -21315,8 +21316,8 @@
         </p:nvCxnSpPr>
         <p:spPr>
           <a:xfrm flipH="1">
-            <a:off x="7551225" y="3138430"/>
-            <a:ext cx="367374" cy="340822"/>
+            <a:off x="7551225" y="3168996"/>
+            <a:ext cx="259015" cy="310256"/>
           </a:xfrm>
           <a:prstGeom prst="straightConnector1">
             <a:avLst/>
@@ -21350,8 +21351,8 @@
         </p:nvCxnSpPr>
         <p:spPr>
           <a:xfrm>
-            <a:off x="7918599" y="3138430"/>
-            <a:ext cx="749302" cy="346344"/>
+            <a:off x="7810240" y="3168996"/>
+            <a:ext cx="857661" cy="315778"/>
           </a:xfrm>
           <a:prstGeom prst="straightConnector1">
             <a:avLst/>
@@ -21783,8 +21784,8 @@
         </p:nvSpPr>
         <p:spPr>
           <a:xfrm>
-            <a:off x="144002" y="3487421"/>
-            <a:ext cx="999956" cy="613515"/>
+            <a:off x="144002" y="2571750"/>
+            <a:ext cx="999956" cy="2468879"/>
           </a:xfrm>
           <a:prstGeom prst="rect">
             <a:avLst/>
@@ -21871,7 +21872,7 @@
         </p:nvSpPr>
         <p:spPr>
           <a:xfrm>
-            <a:off x="2305595" y="313526"/>
+            <a:off x="2288912" y="313526"/>
             <a:ext cx="706570" cy="407324"/>
           </a:xfrm>
           <a:prstGeom prst="can">
@@ -22269,6 +22270,7 @@
             </a:extLst>
           </p:cNvPr>
           <p:cNvCxnSpPr>
+            <a:cxnSpLocks/>
             <a:stCxn id="81" idx="3"/>
             <a:endCxn id="82" idx="0"/>
           </p:cNvCxnSpPr>
@@ -22277,7 +22279,7 @@
         <p:spPr>
           <a:xfrm flipH="1">
             <a:off x="1655583" y="720850"/>
-            <a:ext cx="1003297" cy="340822"/>
+            <a:ext cx="986614" cy="340822"/>
           </a:xfrm>
           <a:prstGeom prst="straightConnector1">
             <a:avLst/>
@@ -22304,6 +22306,7 @@
             </a:extLst>
           </p:cNvPr>
           <p:cNvCxnSpPr>
+            <a:cxnSpLocks/>
             <a:stCxn id="81" idx="3"/>
             <a:endCxn id="83" idx="0"/>
           </p:cNvCxnSpPr>
@@ -22312,7 +22315,7 @@
         <p:spPr>
           <a:xfrm flipH="1">
             <a:off x="2291506" y="720850"/>
-            <a:ext cx="367374" cy="340822"/>
+            <a:ext cx="350691" cy="340822"/>
           </a:xfrm>
           <a:prstGeom prst="straightConnector1">
             <a:avLst/>
@@ -22339,6 +22342,7 @@
             </a:extLst>
           </p:cNvPr>
           <p:cNvCxnSpPr>
+            <a:cxnSpLocks/>
             <a:stCxn id="81" idx="3"/>
             <a:endCxn id="84" idx="0"/>
           </p:cNvCxnSpPr>
@@ -22346,8 +22350,8 @@
         </p:nvCxnSpPr>
         <p:spPr>
           <a:xfrm>
-            <a:off x="2658880" y="720850"/>
-            <a:ext cx="749302" cy="346344"/>
+            <a:off x="2642197" y="720850"/>
+            <a:ext cx="765985" cy="346344"/>
           </a:xfrm>
           <a:prstGeom prst="straightConnector1">
             <a:avLst/>
@@ -22585,7 +22589,7 @@
         </p:nvSpPr>
         <p:spPr>
           <a:xfrm>
-            <a:off x="4994027" y="313526"/>
+            <a:off x="4827088" y="313526"/>
             <a:ext cx="706570" cy="407324"/>
           </a:xfrm>
           <a:prstGeom prst="can">
@@ -22630,7 +22634,7 @@
               <a:buNone/>
             </a:pPr>
             <a:r>
-              <a:rPr lang="en-US" sz="1400" b="0" i="0" u="none" strike="noStrike" cap="none" dirty="0">
+              <a:rPr lang="en-US" altLang="zh-CN" sz="1400" b="0" i="0" u="none" strike="noStrike" cap="none" dirty="0">
                 <a:solidFill>
                   <a:schemeClr val="lt1"/>
                 </a:solidFill>
@@ -22639,7 +22643,7 @@
                 <a:cs typeface="Arial"/>
                 <a:sym typeface="Arial"/>
               </a:rPr>
-              <a:t>Scores</a:t>
+              <a:t>Data</a:t>
             </a:r>
             <a:endParaRPr dirty="0"/>
           </a:p>
@@ -22969,6 +22973,7 @@
             </a:extLst>
           </p:cNvPr>
           <p:cNvCxnSpPr>
+            <a:cxnSpLocks/>
             <a:stCxn id="96" idx="3"/>
             <a:endCxn id="97" idx="0"/>
           </p:cNvCxnSpPr>
@@ -22977,7 +22982,7 @@
         <p:spPr>
           <a:xfrm flipH="1">
             <a:off x="4344015" y="720850"/>
-            <a:ext cx="1003297" cy="340822"/>
+            <a:ext cx="836358" cy="340822"/>
           </a:xfrm>
           <a:prstGeom prst="straightConnector1">
             <a:avLst/>
@@ -23004,6 +23009,7 @@
             </a:extLst>
           </p:cNvPr>
           <p:cNvCxnSpPr>
+            <a:cxnSpLocks/>
             <a:stCxn id="96" idx="3"/>
             <a:endCxn id="100" idx="0"/>
           </p:cNvCxnSpPr>
@@ -23012,7 +23018,7 @@
         <p:spPr>
           <a:xfrm flipH="1">
             <a:off x="4979938" y="720850"/>
-            <a:ext cx="367374" cy="340822"/>
+            <a:ext cx="200435" cy="340822"/>
           </a:xfrm>
           <a:prstGeom prst="straightConnector1">
             <a:avLst/>
@@ -23039,6 +23045,7 @@
             </a:extLst>
           </p:cNvPr>
           <p:cNvCxnSpPr>
+            <a:cxnSpLocks/>
             <a:stCxn id="96" idx="3"/>
             <a:endCxn id="102" idx="0"/>
           </p:cNvCxnSpPr>
@@ -23046,8 +23053,8 @@
         </p:nvCxnSpPr>
         <p:spPr>
           <a:xfrm>
-            <a:off x="5347312" y="720850"/>
-            <a:ext cx="749302" cy="346344"/>
+            <a:off x="5180373" y="720850"/>
+            <a:ext cx="916241" cy="346344"/>
           </a:xfrm>
           <a:prstGeom prst="straightConnector1">
             <a:avLst/>
@@ -23285,7 +23292,7 @@
         </p:nvSpPr>
         <p:spPr>
           <a:xfrm>
-            <a:off x="7529684" y="313526"/>
+            <a:off x="7459618" y="313526"/>
             <a:ext cx="706570" cy="407324"/>
           </a:xfrm>
           <a:prstGeom prst="can">
@@ -23330,7 +23337,7 @@
               <a:buNone/>
             </a:pPr>
             <a:r>
-              <a:rPr lang="en-US" sz="1400" b="0" i="0" u="none" strike="noStrike" cap="none">
+              <a:rPr lang="en-US" sz="1400" b="0" i="0" u="none" strike="noStrike" cap="none" dirty="0">
                 <a:solidFill>
                   <a:schemeClr val="lt1"/>
                 </a:solidFill>
@@ -23341,7 +23348,7 @@
               </a:rPr>
               <a:t>Data</a:t>
             </a:r>
-            <a:endParaRPr/>
+            <a:endParaRPr dirty="0"/>
           </a:p>
         </p:txBody>
       </p:sp>
@@ -23691,7 +23698,7 @@
         <p:spPr>
           <a:xfrm flipH="1">
             <a:off x="6879672" y="720850"/>
-            <a:ext cx="1003297" cy="340822"/>
+            <a:ext cx="933231" cy="340822"/>
           </a:xfrm>
           <a:prstGeom prst="straightConnector1">
             <a:avLst/>
@@ -23726,7 +23733,7 @@
         <p:spPr>
           <a:xfrm flipH="1">
             <a:off x="7515595" y="720850"/>
-            <a:ext cx="367374" cy="340822"/>
+            <a:ext cx="297308" cy="340822"/>
           </a:xfrm>
           <a:prstGeom prst="straightConnector1">
             <a:avLst/>
@@ -23760,8 +23767,8 @@
         </p:nvCxnSpPr>
         <p:spPr>
           <a:xfrm>
-            <a:off x="7882969" y="720850"/>
-            <a:ext cx="749302" cy="346344"/>
+            <a:off x="7812903" y="720850"/>
+            <a:ext cx="819368" cy="346344"/>
           </a:xfrm>
           <a:prstGeom prst="straightConnector1">
             <a:avLst/>
@@ -23999,8 +24006,8 @@
         </p:nvSpPr>
         <p:spPr>
           <a:xfrm>
-            <a:off x="144952" y="1073226"/>
-            <a:ext cx="1001419" cy="613515"/>
+            <a:off x="144952" y="98074"/>
+            <a:ext cx="1001419" cy="2335877"/>
           </a:xfrm>
           <a:prstGeom prst="rect">
             <a:avLst/>
